--- a/Проект Модул 8.pptx
+++ b/Проект Модул 8.pptx
@@ -14,40 +14,28 @@
     <p:sldId id="265" r:id="rId8"/>
     <p:sldId id="262" r:id="rId9"/>
     <p:sldId id="263" r:id="rId10"/>
-    <p:sldId id="264" r:id="rId11"/>
   </p:sldIdLst>
   <p:sldSz cx="18288000" cy="10287000"/>
   <p:notesSz cx="6858000" cy="9144000"/>
   <p:embeddedFontLst>
     <p:embeddedFont>
-      <p:font typeface="Bodoni MT" panose="02070603080606020203" pitchFamily="18" charset="0"/>
-      <p:regular r:id="rId12"/>
-      <p:bold r:id="rId13"/>
-      <p:italic r:id="rId14"/>
-      <p:boldItalic r:id="rId15"/>
+      <p:font typeface="Open Sans Extra Bold" panose="020B0604020202020204" charset="0"/>
+      <p:regular r:id="rId11"/>
     </p:embeddedFont>
     <p:embeddedFont>
       <p:font typeface="Dumondi Condensed Bold" panose="020B0604020202020204" charset="-34"/>
-      <p:regular r:id="rId16"/>
+      <p:regular r:id="rId12"/>
     </p:embeddedFont>
     <p:embeddedFont>
       <p:font typeface="Calibri" panose="020F0502020204030204" pitchFamily="34" charset="0"/>
-      <p:regular r:id="rId17"/>
-      <p:bold r:id="rId18"/>
-      <p:italic r:id="rId19"/>
-      <p:boldItalic r:id="rId20"/>
-    </p:embeddedFont>
-    <p:embeddedFont>
-      <p:font typeface="Ink Free" panose="03080402000500000000" pitchFamily="66" charset="0"/>
-      <p:regular r:id="rId21"/>
-    </p:embeddedFont>
-    <p:embeddedFont>
-      <p:font typeface="Open Sans Extra Bold" panose="020B0604020202020204" charset="0"/>
-      <p:regular r:id="rId22"/>
+      <p:regular r:id="rId13"/>
+      <p:bold r:id="rId14"/>
+      <p:italic r:id="rId15"/>
+      <p:boldItalic r:id="rId16"/>
     </p:embeddedFont>
     <p:embeddedFont>
       <p:font typeface="Fredoka One" panose="020B0604020202020204" charset="0"/>
-      <p:regular r:id="rId23"/>
+      <p:regular r:id="rId17"/>
     </p:embeddedFont>
   </p:embeddedFontLst>
   <p:defaultTextStyle>
@@ -3927,7 +3915,7 @@
                 <a14:useLocalDpi xmlns:a14="http://schemas.microsoft.com/office/drawing/2010/main" val="0"/>
               </a:ext>
               <a:ext uri="{96DAC541-7B7A-43D3-8B79-37D633B846F1}">
-                <asvg:svgBlip xmlns="" xmlns:asvg="http://schemas.microsoft.com/office/drawing/2016/SVG/main" r:embed="rId4"/>
+                <asvg:svgBlip xmlns:asvg="http://schemas.microsoft.com/office/drawing/2016/SVG/main" xmlns="" r:embed="rId4"/>
               </a:ext>
             </a:extLst>
           </a:blip>
@@ -3985,7 +3973,7 @@
                 <a14:useLocalDpi xmlns:a14="http://schemas.microsoft.com/office/drawing/2010/main" val="0"/>
               </a:ext>
               <a:ext uri="{96DAC541-7B7A-43D3-8B79-37D633B846F1}">
-                <asvg:svgBlip xmlns="" xmlns:asvg="http://schemas.microsoft.com/office/drawing/2016/SVG/main" r:embed="rId6"/>
+                <asvg:svgBlip xmlns:asvg="http://schemas.microsoft.com/office/drawing/2016/SVG/main" xmlns="" r:embed="rId6"/>
               </a:ext>
             </a:extLst>
           </a:blip>
@@ -4019,7 +4007,7 @@
                 <a14:useLocalDpi xmlns:a14="http://schemas.microsoft.com/office/drawing/2010/main" val="0"/>
               </a:ext>
               <a:ext uri="{96DAC541-7B7A-43D3-8B79-37D633B846F1}">
-                <asvg:svgBlip xmlns="" xmlns:asvg="http://schemas.microsoft.com/office/drawing/2016/SVG/main" r:embed="rId8"/>
+                <asvg:svgBlip xmlns:asvg="http://schemas.microsoft.com/office/drawing/2016/SVG/main" xmlns="" r:embed="rId8"/>
               </a:ext>
             </a:extLst>
           </a:blip>
@@ -4053,7 +4041,7 @@
                 <a14:useLocalDpi xmlns:a14="http://schemas.microsoft.com/office/drawing/2010/main" val="0"/>
               </a:ext>
               <a:ext uri="{96DAC541-7B7A-43D3-8B79-37D633B846F1}">
-                <asvg:svgBlip xmlns="" xmlns:asvg="http://schemas.microsoft.com/office/drawing/2016/SVG/main" r:embed="rId10"/>
+                <asvg:svgBlip xmlns:asvg="http://schemas.microsoft.com/office/drawing/2016/SVG/main" xmlns="" r:embed="rId10"/>
               </a:ext>
             </a:extLst>
           </a:blip>
@@ -4423,7 +4411,7 @@
                 <a14:useLocalDpi xmlns:a14="http://schemas.microsoft.com/office/drawing/2010/main" val="0"/>
               </a:ext>
               <a:ext uri="{96DAC541-7B7A-43D3-8B79-37D633B846F1}">
-                <asvg:svgBlip xmlns="" xmlns:asvg="http://schemas.microsoft.com/office/drawing/2016/SVG/main" r:embed="rId8"/>
+                <asvg:svgBlip xmlns:asvg="http://schemas.microsoft.com/office/drawing/2016/SVG/main" xmlns="" r:embed="rId8"/>
               </a:ext>
             </a:extLst>
           </a:blip>
@@ -4435,821 +4423,6 @@
         <p:spPr>
           <a:xfrm>
             <a:off x="12564193" y="4933081"/>
-            <a:ext cx="1279527" cy="1837441"/>
-          </a:xfrm>
-          <a:prstGeom prst="rect">
-            <a:avLst/>
-          </a:prstGeom>
-        </p:spPr>
-      </p:pic>
-    </p:spTree>
-  </p:cSld>
-  <p:clrMapOvr>
-    <a:masterClrMapping/>
-  </p:clrMapOvr>
-  <mc:AlternateContent xmlns:mc="http://schemas.openxmlformats.org/markup-compatibility/2006" xmlns:p15="http://schemas.microsoft.com/office/powerpoint/2012/main">
-    <mc:Choice Requires="p15">
-      <p:transition xmlns:p14="http://schemas.microsoft.com/office/powerpoint/2010/main" spd="slow" p14:dur="1250">
-        <p15:prstTrans prst="peelOff"/>
-      </p:transition>
-    </mc:Choice>
-    <mc:Fallback xmlns="">
-      <p:transition spd="slow">
-        <p:fade/>
-      </p:transition>
-    </mc:Fallback>
-  </mc:AlternateContent>
-  <p:timing>
-    <p:tnLst>
-      <p:par>
-        <p:cTn id="1" dur="indefinite" restart="never" nodeType="tmRoot"/>
-      </p:par>
-    </p:tnLst>
-  </p:timing>
-</p:sld>
-</file>
-
-<file path=ppt/slides/slide10.xml><?xml version="1.0" encoding="utf-8"?>
-<p:sld xmlns:a="http://schemas.openxmlformats.org/drawingml/2006/main" xmlns:r="http://schemas.openxmlformats.org/officeDocument/2006/relationships" xmlns:p="http://schemas.openxmlformats.org/presentationml/2006/main">
-  <p:cSld>
-    <p:spTree>
-      <p:nvGrpSpPr>
-        <p:cNvPr id="1" name=""/>
-        <p:cNvGrpSpPr/>
-        <p:nvPr/>
-      </p:nvGrpSpPr>
-      <p:grpSpPr>
-        <a:xfrm>
-          <a:off x="0" y="0"/>
-          <a:ext cx="0" cy="0"/>
-          <a:chOff x="0" y="0"/>
-          <a:chExt cx="0" cy="0"/>
-        </a:xfrm>
-      </p:grpSpPr>
-      <p:pic>
-        <p:nvPicPr>
-          <p:cNvPr id="2" name="Picture 2"/>
-          <p:cNvPicPr>
-            <a:picLocks noChangeAspect="1"/>
-          </p:cNvPicPr>
-          <p:nvPr/>
-        </p:nvPicPr>
-        <p:blipFill>
-          <a:blip r:embed="rId2"/>
-          <a:srcRect l="2310" t="9494" r="1733" b="52317"/>
-          <a:stretch>
-            <a:fillRect/>
-          </a:stretch>
-        </p:blipFill>
-        <p:spPr>
-          <a:xfrm>
-            <a:off x="0" y="0"/>
-            <a:ext cx="18288000" cy="10287000"/>
-          </a:xfrm>
-          <a:prstGeom prst="rect">
-            <a:avLst/>
-          </a:prstGeom>
-        </p:spPr>
-      </p:pic>
-      <p:grpSp>
-        <p:nvGrpSpPr>
-          <p:cNvPr id="3" name="Group 3"/>
-          <p:cNvGrpSpPr/>
-          <p:nvPr/>
-        </p:nvGrpSpPr>
-        <p:grpSpPr>
-          <a:xfrm>
-            <a:off x="1405599" y="1172847"/>
-            <a:ext cx="15476707" cy="7847344"/>
-            <a:chOff x="0" y="0"/>
-            <a:chExt cx="21083246" cy="10690097"/>
-          </a:xfrm>
-        </p:grpSpPr>
-        <p:sp>
-          <p:nvSpPr>
-            <p:cNvPr id="4" name="Freeform 4"/>
-            <p:cNvSpPr/>
-            <p:nvPr/>
-          </p:nvSpPr>
-          <p:spPr>
-            <a:xfrm>
-              <a:off x="31750" y="31750"/>
-              <a:ext cx="21019746" cy="10626596"/>
-            </a:xfrm>
-            <a:custGeom>
-              <a:avLst/>
-              <a:gdLst/>
-              <a:ahLst/>
-              <a:cxnLst/>
-              <a:rect l="l" t="t" r="r" b="b"/>
-              <a:pathLst>
-                <a:path w="21019746" h="10626596">
-                  <a:moveTo>
-                    <a:pt x="20927036" y="10626596"/>
-                  </a:moveTo>
-                  <a:lnTo>
-                    <a:pt x="92710" y="10626596"/>
-                  </a:lnTo>
-                  <a:cubicBezTo>
-                    <a:pt x="41910" y="10626596"/>
-                    <a:pt x="0" y="10584686"/>
-                    <a:pt x="0" y="10533886"/>
-                  </a:cubicBezTo>
-                  <a:lnTo>
-                    <a:pt x="0" y="92710"/>
-                  </a:lnTo>
-                  <a:cubicBezTo>
-                    <a:pt x="0" y="41910"/>
-                    <a:pt x="41910" y="0"/>
-                    <a:pt x="92710" y="0"/>
-                  </a:cubicBezTo>
-                  <a:lnTo>
-                    <a:pt x="20925766" y="0"/>
-                  </a:lnTo>
-                  <a:cubicBezTo>
-                    <a:pt x="20976566" y="0"/>
-                    <a:pt x="21018477" y="41910"/>
-                    <a:pt x="21018477" y="92710"/>
-                  </a:cubicBezTo>
-                  <a:lnTo>
-                    <a:pt x="21018477" y="10532617"/>
-                  </a:lnTo>
-                  <a:cubicBezTo>
-                    <a:pt x="21019746" y="10584686"/>
-                    <a:pt x="20977836" y="10626596"/>
-                    <a:pt x="20927036" y="10626596"/>
-                  </a:cubicBezTo>
-                  <a:close/>
-                </a:path>
-              </a:pathLst>
-            </a:custGeom>
-            <a:solidFill>
-              <a:srgbClr val="FFFFFF"/>
-            </a:solidFill>
-          </p:spPr>
-        </p:sp>
-        <p:sp>
-          <p:nvSpPr>
-            <p:cNvPr id="5" name="Freeform 5"/>
-            <p:cNvSpPr/>
-            <p:nvPr/>
-          </p:nvSpPr>
-          <p:spPr>
-            <a:xfrm>
-              <a:off x="0" y="0"/>
-              <a:ext cx="21083246" cy="10690096"/>
-            </a:xfrm>
-            <a:custGeom>
-              <a:avLst/>
-              <a:gdLst/>
-              <a:ahLst/>
-              <a:cxnLst/>
-              <a:rect l="l" t="t" r="r" b="b"/>
-              <a:pathLst>
-                <a:path w="21083246" h="10690096">
-                  <a:moveTo>
-                    <a:pt x="20958786" y="59690"/>
-                  </a:moveTo>
-                  <a:cubicBezTo>
-                    <a:pt x="20994346" y="59690"/>
-                    <a:pt x="21023556" y="88900"/>
-                    <a:pt x="21023556" y="124460"/>
-                  </a:cubicBezTo>
-                  <a:lnTo>
-                    <a:pt x="21023556" y="10565636"/>
-                  </a:lnTo>
-                  <a:cubicBezTo>
-                    <a:pt x="21023556" y="10601196"/>
-                    <a:pt x="20994346" y="10630407"/>
-                    <a:pt x="20958786" y="10630407"/>
-                  </a:cubicBezTo>
-                  <a:lnTo>
-                    <a:pt x="124460" y="10630407"/>
-                  </a:lnTo>
-                  <a:cubicBezTo>
-                    <a:pt x="88900" y="10630407"/>
-                    <a:pt x="59690" y="10601196"/>
-                    <a:pt x="59690" y="10565636"/>
-                  </a:cubicBezTo>
-                  <a:lnTo>
-                    <a:pt x="59690" y="124460"/>
-                  </a:lnTo>
-                  <a:cubicBezTo>
-                    <a:pt x="59690" y="88900"/>
-                    <a:pt x="88900" y="59690"/>
-                    <a:pt x="124460" y="59690"/>
-                  </a:cubicBezTo>
-                  <a:lnTo>
-                    <a:pt x="20958786" y="59690"/>
-                  </a:lnTo>
-                  <a:moveTo>
-                    <a:pt x="20958786" y="0"/>
-                  </a:moveTo>
-                  <a:lnTo>
-                    <a:pt x="124460" y="0"/>
-                  </a:lnTo>
-                  <a:cubicBezTo>
-                    <a:pt x="55880" y="0"/>
-                    <a:pt x="0" y="55880"/>
-                    <a:pt x="0" y="124460"/>
-                  </a:cubicBezTo>
-                  <a:lnTo>
-                    <a:pt x="0" y="10565636"/>
-                  </a:lnTo>
-                  <a:cubicBezTo>
-                    <a:pt x="0" y="10634217"/>
-                    <a:pt x="55880" y="10690096"/>
-                    <a:pt x="124460" y="10690096"/>
-                  </a:cubicBezTo>
-                  <a:lnTo>
-                    <a:pt x="20958786" y="10690096"/>
-                  </a:lnTo>
-                  <a:cubicBezTo>
-                    <a:pt x="21027366" y="10690096"/>
-                    <a:pt x="21083246" y="10634217"/>
-                    <a:pt x="21083246" y="10565636"/>
-                  </a:cubicBezTo>
-                  <a:lnTo>
-                    <a:pt x="21083246" y="124460"/>
-                  </a:lnTo>
-                  <a:cubicBezTo>
-                    <a:pt x="21083246" y="55880"/>
-                    <a:pt x="21027366" y="0"/>
-                    <a:pt x="20958786" y="0"/>
-                  </a:cubicBezTo>
-                  <a:close/>
-                </a:path>
-              </a:pathLst>
-            </a:custGeom>
-            <a:solidFill>
-              <a:srgbClr val="191919"/>
-            </a:solidFill>
-          </p:spPr>
-        </p:sp>
-      </p:grpSp>
-      <p:grpSp>
-        <p:nvGrpSpPr>
-          <p:cNvPr id="6" name="Group 6"/>
-          <p:cNvGrpSpPr/>
-          <p:nvPr/>
-        </p:nvGrpSpPr>
-        <p:grpSpPr>
-          <a:xfrm>
-            <a:off x="1883323" y="1533576"/>
-            <a:ext cx="1592514" cy="442844"/>
-            <a:chOff x="0" y="0"/>
-            <a:chExt cx="2123352" cy="590459"/>
-          </a:xfrm>
-        </p:grpSpPr>
-        <p:grpSp>
-          <p:nvGrpSpPr>
-            <p:cNvPr id="7" name="Group 7"/>
-            <p:cNvGrpSpPr/>
-            <p:nvPr/>
-          </p:nvGrpSpPr>
-          <p:grpSpPr>
-            <a:xfrm>
-              <a:off x="0" y="0"/>
-              <a:ext cx="590459" cy="590459"/>
-              <a:chOff x="0" y="0"/>
-              <a:chExt cx="812800" cy="812800"/>
-            </a:xfrm>
-          </p:grpSpPr>
-          <p:sp>
-            <p:nvSpPr>
-              <p:cNvPr id="8" name="Freeform 8"/>
-              <p:cNvSpPr/>
-              <p:nvPr/>
-            </p:nvSpPr>
-            <p:spPr>
-              <a:xfrm>
-                <a:off x="1813" y="0"/>
-                <a:ext cx="809173" cy="812800"/>
-              </a:xfrm>
-              <a:custGeom>
-                <a:avLst/>
-                <a:gdLst/>
-                <a:ahLst/>
-                <a:cxnLst/>
-                <a:rect l="l" t="t" r="r" b="b"/>
-                <a:pathLst>
-                  <a:path w="809173" h="812800">
-                    <a:moveTo>
-                      <a:pt x="404587" y="0"/>
-                    </a:moveTo>
-                    <a:cubicBezTo>
-                      <a:pt x="628326" y="1001"/>
-                      <a:pt x="809174" y="182659"/>
-                      <a:pt x="809174" y="406400"/>
-                    </a:cubicBezTo>
-                    <a:cubicBezTo>
-                      <a:pt x="809174" y="630141"/>
-                      <a:pt x="628326" y="811799"/>
-                      <a:pt x="404587" y="812800"/>
-                    </a:cubicBezTo>
-                    <a:cubicBezTo>
-                      <a:pt x="180848" y="811799"/>
-                      <a:pt x="0" y="630141"/>
-                      <a:pt x="0" y="406400"/>
-                    </a:cubicBezTo>
-                    <a:cubicBezTo>
-                      <a:pt x="0" y="182659"/>
-                      <a:pt x="180848" y="1001"/>
-                      <a:pt x="404587" y="0"/>
-                    </a:cubicBezTo>
-                    <a:close/>
-                  </a:path>
-                </a:pathLst>
-              </a:custGeom>
-              <a:solidFill>
-                <a:srgbClr val="F5C853"/>
-              </a:solidFill>
-            </p:spPr>
-          </p:sp>
-          <p:sp>
-            <p:nvSpPr>
-              <p:cNvPr id="9" name="TextBox 9"/>
-              <p:cNvSpPr txBox="1"/>
-              <p:nvPr/>
-            </p:nvSpPr>
-            <p:spPr>
-              <a:xfrm>
-                <a:off x="76200" y="28575"/>
-                <a:ext cx="660400" cy="708025"/>
-              </a:xfrm>
-              <a:prstGeom prst="rect">
-                <a:avLst/>
-              </a:prstGeom>
-            </p:spPr>
-            <p:txBody>
-              <a:bodyPr lIns="50800" tIns="50800" rIns="50800" bIns="50800" rtlCol="0" anchor="ctr"/>
-              <a:lstStyle/>
-              <a:p>
-                <a:pPr algn="ctr">
-                  <a:lnSpc>
-                    <a:spcPts val="2660"/>
-                  </a:lnSpc>
-                </a:pPr>
-                <a:endParaRPr/>
-              </a:p>
-            </p:txBody>
-          </p:sp>
-        </p:grpSp>
-        <p:grpSp>
-          <p:nvGrpSpPr>
-            <p:cNvPr id="10" name="Group 10"/>
-            <p:cNvGrpSpPr/>
-            <p:nvPr/>
-          </p:nvGrpSpPr>
-          <p:grpSpPr>
-            <a:xfrm>
-              <a:off x="767168" y="0"/>
-              <a:ext cx="590459" cy="590459"/>
-              <a:chOff x="0" y="0"/>
-              <a:chExt cx="812800" cy="812800"/>
-            </a:xfrm>
-          </p:grpSpPr>
-          <p:sp>
-            <p:nvSpPr>
-              <p:cNvPr id="11" name="Freeform 11"/>
-              <p:cNvSpPr/>
-              <p:nvPr/>
-            </p:nvSpPr>
-            <p:spPr>
-              <a:xfrm>
-                <a:off x="1813" y="0"/>
-                <a:ext cx="809173" cy="812800"/>
-              </a:xfrm>
-              <a:custGeom>
-                <a:avLst/>
-                <a:gdLst/>
-                <a:ahLst/>
-                <a:cxnLst/>
-                <a:rect l="l" t="t" r="r" b="b"/>
-                <a:pathLst>
-                  <a:path w="809173" h="812800">
-                    <a:moveTo>
-                      <a:pt x="404587" y="0"/>
-                    </a:moveTo>
-                    <a:cubicBezTo>
-                      <a:pt x="628326" y="1001"/>
-                      <a:pt x="809174" y="182659"/>
-                      <a:pt x="809174" y="406400"/>
-                    </a:cubicBezTo>
-                    <a:cubicBezTo>
-                      <a:pt x="809174" y="630141"/>
-                      <a:pt x="628326" y="811799"/>
-                      <a:pt x="404587" y="812800"/>
-                    </a:cubicBezTo>
-                    <a:cubicBezTo>
-                      <a:pt x="180848" y="811799"/>
-                      <a:pt x="0" y="630141"/>
-                      <a:pt x="0" y="406400"/>
-                    </a:cubicBezTo>
-                    <a:cubicBezTo>
-                      <a:pt x="0" y="182659"/>
-                      <a:pt x="180848" y="1001"/>
-                      <a:pt x="404587" y="0"/>
-                    </a:cubicBezTo>
-                    <a:close/>
-                  </a:path>
-                </a:pathLst>
-              </a:custGeom>
-              <a:solidFill>
-                <a:srgbClr val="F5B9BA"/>
-              </a:solidFill>
-            </p:spPr>
-          </p:sp>
-          <p:sp>
-            <p:nvSpPr>
-              <p:cNvPr id="12" name="TextBox 12"/>
-              <p:cNvSpPr txBox="1"/>
-              <p:nvPr/>
-            </p:nvSpPr>
-            <p:spPr>
-              <a:xfrm>
-                <a:off x="76200" y="28575"/>
-                <a:ext cx="660400" cy="708025"/>
-              </a:xfrm>
-              <a:prstGeom prst="rect">
-                <a:avLst/>
-              </a:prstGeom>
-            </p:spPr>
-            <p:txBody>
-              <a:bodyPr lIns="50800" tIns="50800" rIns="50800" bIns="50800" rtlCol="0" anchor="ctr"/>
-              <a:lstStyle/>
-              <a:p>
-                <a:pPr algn="ctr">
-                  <a:lnSpc>
-                    <a:spcPts val="2660"/>
-                  </a:lnSpc>
-                </a:pPr>
-                <a:endParaRPr/>
-              </a:p>
-            </p:txBody>
-          </p:sp>
-        </p:grpSp>
-        <p:grpSp>
-          <p:nvGrpSpPr>
-            <p:cNvPr id="13" name="Group 13"/>
-            <p:cNvGrpSpPr/>
-            <p:nvPr/>
-          </p:nvGrpSpPr>
-          <p:grpSpPr>
-            <a:xfrm>
-              <a:off x="1532894" y="0"/>
-              <a:ext cx="590459" cy="590459"/>
-              <a:chOff x="0" y="0"/>
-              <a:chExt cx="812800" cy="812800"/>
-            </a:xfrm>
-          </p:grpSpPr>
-          <p:sp>
-            <p:nvSpPr>
-              <p:cNvPr id="14" name="Freeform 14"/>
-              <p:cNvSpPr/>
-              <p:nvPr/>
-            </p:nvSpPr>
-            <p:spPr>
-              <a:xfrm>
-                <a:off x="1813" y="0"/>
-                <a:ext cx="809173" cy="812800"/>
-              </a:xfrm>
-              <a:custGeom>
-                <a:avLst/>
-                <a:gdLst/>
-                <a:ahLst/>
-                <a:cxnLst/>
-                <a:rect l="l" t="t" r="r" b="b"/>
-                <a:pathLst>
-                  <a:path w="809173" h="812800">
-                    <a:moveTo>
-                      <a:pt x="404587" y="0"/>
-                    </a:moveTo>
-                    <a:cubicBezTo>
-                      <a:pt x="628326" y="1001"/>
-                      <a:pt x="809174" y="182659"/>
-                      <a:pt x="809174" y="406400"/>
-                    </a:cubicBezTo>
-                    <a:cubicBezTo>
-                      <a:pt x="809174" y="630141"/>
-                      <a:pt x="628326" y="811799"/>
-                      <a:pt x="404587" y="812800"/>
-                    </a:cubicBezTo>
-                    <a:cubicBezTo>
-                      <a:pt x="180848" y="811799"/>
-                      <a:pt x="0" y="630141"/>
-                      <a:pt x="0" y="406400"/>
-                    </a:cubicBezTo>
-                    <a:cubicBezTo>
-                      <a:pt x="0" y="182659"/>
-                      <a:pt x="180848" y="1001"/>
-                      <a:pt x="404587" y="0"/>
-                    </a:cubicBezTo>
-                    <a:close/>
-                  </a:path>
-                </a:pathLst>
-              </a:custGeom>
-              <a:solidFill>
-                <a:srgbClr val="817CFF"/>
-              </a:solidFill>
-            </p:spPr>
-          </p:sp>
-          <p:sp>
-            <p:nvSpPr>
-              <p:cNvPr id="15" name="TextBox 15"/>
-              <p:cNvSpPr txBox="1"/>
-              <p:nvPr/>
-            </p:nvSpPr>
-            <p:spPr>
-              <a:xfrm>
-                <a:off x="76200" y="28575"/>
-                <a:ext cx="660400" cy="708025"/>
-              </a:xfrm>
-              <a:prstGeom prst="rect">
-                <a:avLst/>
-              </a:prstGeom>
-            </p:spPr>
-            <p:txBody>
-              <a:bodyPr lIns="50800" tIns="50800" rIns="50800" bIns="50800" rtlCol="0" anchor="ctr"/>
-              <a:lstStyle/>
-              <a:p>
-                <a:pPr algn="ctr">
-                  <a:lnSpc>
-                    <a:spcPts val="2660"/>
-                  </a:lnSpc>
-                </a:pPr>
-                <a:endParaRPr/>
-              </a:p>
-            </p:txBody>
-          </p:sp>
-        </p:grpSp>
-      </p:grpSp>
-      <p:sp>
-        <p:nvSpPr>
-          <p:cNvPr id="16" name="AutoShape 16"/>
-          <p:cNvSpPr/>
-          <p:nvPr/>
-        </p:nvSpPr>
-        <p:spPr>
-          <a:xfrm>
-            <a:off x="1405665" y="2208872"/>
-            <a:ext cx="15476670" cy="45413"/>
-          </a:xfrm>
-          <a:prstGeom prst="line">
-            <a:avLst/>
-          </a:prstGeom>
-          <a:ln w="47625" cap="flat">
-            <a:solidFill>
-              <a:srgbClr val="000000"/>
-            </a:solidFill>
-            <a:prstDash val="solid"/>
-            <a:headEnd type="none" w="sm" len="sm"/>
-            <a:tailEnd type="none" w="sm" len="sm"/>
-          </a:ln>
-        </p:spPr>
-      </p:sp>
-      <p:sp>
-        <p:nvSpPr>
-          <p:cNvPr id="17" name="TextBox 17"/>
-          <p:cNvSpPr txBox="1"/>
-          <p:nvPr/>
-        </p:nvSpPr>
-        <p:spPr>
-          <a:xfrm>
-            <a:off x="637906" y="3205896"/>
-            <a:ext cx="8182089" cy="2098267"/>
-          </a:xfrm>
-          <a:prstGeom prst="rect">
-            <a:avLst/>
-          </a:prstGeom>
-        </p:spPr>
-        <p:txBody>
-          <a:bodyPr lIns="0" tIns="0" rIns="0" bIns="0" rtlCol="0" anchor="t">
-            <a:spAutoFit/>
-          </a:bodyPr>
-          <a:lstStyle/>
-          <a:p>
-            <a:pPr algn="r">
-              <a:lnSpc>
-                <a:spcPts val="17163"/>
-              </a:lnSpc>
-              <a:spcBef>
-                <a:spcPct val="0"/>
-              </a:spcBef>
-            </a:pPr>
-            <a:r>
-              <a:rPr lang="en-US" sz="12259" dirty="0">
-                <a:solidFill>
-                  <a:srgbClr val="000000"/>
-                </a:solidFill>
-                <a:latin typeface="Bodoni MT" panose="02070603080606020203" pitchFamily="18" charset="0"/>
-              </a:rPr>
-              <a:t>THANK</a:t>
-            </a:r>
-          </a:p>
-        </p:txBody>
-      </p:sp>
-      <p:sp>
-        <p:nvSpPr>
-          <p:cNvPr id="18" name="TextBox 18"/>
-          <p:cNvSpPr txBox="1"/>
-          <p:nvPr/>
-        </p:nvSpPr>
-        <p:spPr>
-          <a:xfrm>
-            <a:off x="-339234" y="4728512"/>
-            <a:ext cx="8260178" cy="2528531"/>
-          </a:xfrm>
-          <a:prstGeom prst="rect">
-            <a:avLst/>
-          </a:prstGeom>
-        </p:spPr>
-        <p:txBody>
-          <a:bodyPr lIns="0" tIns="0" rIns="0" bIns="0" rtlCol="0" anchor="t">
-            <a:spAutoFit/>
-          </a:bodyPr>
-          <a:lstStyle/>
-          <a:p>
-            <a:pPr algn="r">
-              <a:lnSpc>
-                <a:spcPts val="20767"/>
-              </a:lnSpc>
-              <a:spcBef>
-                <a:spcPct val="0"/>
-              </a:spcBef>
-            </a:pPr>
-            <a:r>
-              <a:rPr lang="en-US" sz="14834" dirty="0">
-                <a:solidFill>
-                  <a:srgbClr val="000000"/>
-                </a:solidFill>
-                <a:latin typeface="Bodoni MT" panose="02070603080606020203" pitchFamily="18" charset="0"/>
-              </a:rPr>
-              <a:t>YOU</a:t>
-            </a:r>
-          </a:p>
-        </p:txBody>
-      </p:sp>
-      <p:sp>
-        <p:nvSpPr>
-          <p:cNvPr id="19" name="TextBox 19"/>
-          <p:cNvSpPr txBox="1"/>
-          <p:nvPr/>
-        </p:nvSpPr>
-        <p:spPr>
-          <a:xfrm>
-            <a:off x="1211849" y="7658259"/>
-            <a:ext cx="7932103" cy="657872"/>
-          </a:xfrm>
-          <a:prstGeom prst="rect">
-            <a:avLst/>
-          </a:prstGeom>
-        </p:spPr>
-        <p:txBody>
-          <a:bodyPr lIns="0" tIns="0" rIns="0" bIns="0" rtlCol="0" anchor="t">
-            <a:spAutoFit/>
-          </a:bodyPr>
-          <a:lstStyle/>
-          <a:p>
-            <a:pPr algn="r">
-              <a:lnSpc>
-                <a:spcPts val="4227"/>
-              </a:lnSpc>
-              <a:spcBef>
-                <a:spcPct val="0"/>
-              </a:spcBef>
-            </a:pPr>
-            <a:r>
-              <a:rPr lang="en-US" sz="6600" dirty="0">
-                <a:solidFill>
-                  <a:srgbClr val="000000"/>
-                </a:solidFill>
-                <a:latin typeface="Ink Free" panose="03080402000500000000" pitchFamily="66" charset="0"/>
-              </a:rPr>
-              <a:t>for the attention</a:t>
-            </a:r>
-          </a:p>
-        </p:txBody>
-      </p:sp>
-      <p:sp>
-        <p:nvSpPr>
-          <p:cNvPr id="20" name="AutoShape 20"/>
-          <p:cNvSpPr/>
-          <p:nvPr/>
-        </p:nvSpPr>
-        <p:spPr>
-          <a:xfrm>
-            <a:off x="12588234" y="-4580797"/>
-            <a:ext cx="0" cy="8849727"/>
-          </a:xfrm>
-          <a:prstGeom prst="line">
-            <a:avLst/>
-          </a:prstGeom>
-          <a:ln w="142875" cap="flat">
-            <a:solidFill>
-              <a:srgbClr val="000000"/>
-            </a:solidFill>
-            <a:prstDash val="solid"/>
-            <a:headEnd type="none" w="sm" len="sm"/>
-            <a:tailEnd type="none" w="sm" len="sm"/>
-          </a:ln>
-        </p:spPr>
-      </p:sp>
-      <p:pic>
-        <p:nvPicPr>
-          <p:cNvPr id="21" name="Picture 21"/>
-          <p:cNvPicPr>
-            <a:picLocks noChangeAspect="1"/>
-          </p:cNvPicPr>
-          <p:nvPr/>
-        </p:nvPicPr>
-        <p:blipFill>
-          <a:blip r:embed="rId3">
-            <a:extLst>
-              <a:ext uri="{28A0092B-C50C-407E-A947-70E740481C1C}">
-                <a14:useLocalDpi xmlns:a14="http://schemas.microsoft.com/office/drawing/2010/main" val="0"/>
-              </a:ext>
-              <a:ext uri="{96DAC541-7B7A-43D3-8B79-37D633B846F1}">
-                <asvg:svgBlip xmlns="" xmlns:asvg="http://schemas.microsoft.com/office/drawing/2016/SVG/main" r:embed="rId4"/>
-              </a:ext>
-            </a:extLst>
-          </a:blip>
-          <a:srcRect/>
-          <a:stretch>
-            <a:fillRect/>
-          </a:stretch>
-        </p:blipFill>
-        <p:spPr>
-          <a:xfrm rot="-10800000">
-            <a:off x="11176127" y="3359655"/>
-            <a:ext cx="2824707" cy="4120925"/>
-          </a:xfrm>
-          <a:prstGeom prst="rect">
-            <a:avLst/>
-          </a:prstGeom>
-        </p:spPr>
-      </p:pic>
-      <p:pic>
-        <p:nvPicPr>
-          <p:cNvPr id="22" name="Picture 22"/>
-          <p:cNvPicPr>
-            <a:picLocks noChangeAspect="1"/>
-          </p:cNvPicPr>
-          <p:nvPr/>
-        </p:nvPicPr>
-        <p:blipFill>
-          <a:blip r:embed="rId5" cstate="print">
-            <a:extLst>
-              <a:ext uri="{28A0092B-C50C-407E-A947-70E740481C1C}">
-                <a14:useLocalDpi xmlns:a14="http://schemas.microsoft.com/office/drawing/2010/main" val="0"/>
-              </a:ext>
-              <a:ext uri="{96DAC541-7B7A-43D3-8B79-37D633B846F1}">
-                <asvg:svgBlip xmlns="" xmlns:asvg="http://schemas.microsoft.com/office/drawing/2016/SVG/main" r:embed="rId6"/>
-              </a:ext>
-            </a:extLst>
-          </a:blip>
-          <a:srcRect/>
-          <a:stretch>
-            <a:fillRect/>
-          </a:stretch>
-        </p:blipFill>
-        <p:spPr>
-          <a:xfrm>
-            <a:off x="9848976" y="5151880"/>
-            <a:ext cx="1279527" cy="1837441"/>
-          </a:xfrm>
-          <a:prstGeom prst="rect">
-            <a:avLst/>
-          </a:prstGeom>
-        </p:spPr>
-      </p:pic>
-      <p:pic>
-        <p:nvPicPr>
-          <p:cNvPr id="23" name="Picture 23"/>
-          <p:cNvPicPr>
-            <a:picLocks noChangeAspect="1"/>
-          </p:cNvPicPr>
-          <p:nvPr/>
-        </p:nvPicPr>
-        <p:blipFill>
-          <a:blip r:embed="rId5" cstate="print">
-            <a:extLst>
-              <a:ext uri="{28A0092B-C50C-407E-A947-70E740481C1C}">
-                <a14:useLocalDpi xmlns:a14="http://schemas.microsoft.com/office/drawing/2010/main" val="0"/>
-              </a:ext>
-              <a:ext uri="{96DAC541-7B7A-43D3-8B79-37D633B846F1}">
-                <asvg:svgBlip xmlns="" xmlns:asvg="http://schemas.microsoft.com/office/drawing/2016/SVG/main" r:embed="rId6"/>
-              </a:ext>
-            </a:extLst>
-          </a:blip>
-          <a:srcRect/>
-          <a:stretch>
-            <a:fillRect/>
-          </a:stretch>
-        </p:blipFill>
-        <p:spPr>
-          <a:xfrm rot="-10800000">
-            <a:off x="14047966" y="4976799"/>
             <a:ext cx="1279527" cy="1837441"/>
           </a:xfrm>
           <a:prstGeom prst="rect">
@@ -6949,7 +6122,7 @@
                 <a14:useLocalDpi xmlns:a14="http://schemas.microsoft.com/office/drawing/2010/main" val="0"/>
               </a:ext>
               <a:ext uri="{96DAC541-7B7A-43D3-8B79-37D633B846F1}">
-                <asvg:svgBlip xmlns="" xmlns:asvg="http://schemas.microsoft.com/office/drawing/2016/SVG/main" r:embed="rId4"/>
+                <asvg:svgBlip xmlns:asvg="http://schemas.microsoft.com/office/drawing/2016/SVG/main" xmlns="" r:embed="rId4"/>
               </a:ext>
             </a:extLst>
           </a:blip>
@@ -6983,7 +6156,7 @@
                 <a14:useLocalDpi xmlns:a14="http://schemas.microsoft.com/office/drawing/2010/main" val="0"/>
               </a:ext>
               <a:ext uri="{96DAC541-7B7A-43D3-8B79-37D633B846F1}">
-                <asvg:svgBlip xmlns="" xmlns:asvg="http://schemas.microsoft.com/office/drawing/2016/SVG/main" r:embed="rId6"/>
+                <asvg:svgBlip xmlns:asvg="http://schemas.microsoft.com/office/drawing/2016/SVG/main" xmlns="" r:embed="rId6"/>
               </a:ext>
             </a:extLst>
           </a:blip>
@@ -7041,7 +6214,7 @@
                 <a14:useLocalDpi xmlns:a14="http://schemas.microsoft.com/office/drawing/2010/main" val="0"/>
               </a:ext>
               <a:ext uri="{96DAC541-7B7A-43D3-8B79-37D633B846F1}">
-                <asvg:svgBlip xmlns="" xmlns:asvg="http://schemas.microsoft.com/office/drawing/2016/SVG/main" r:embed="rId8"/>
+                <asvg:svgBlip xmlns:asvg="http://schemas.microsoft.com/office/drawing/2016/SVG/main" xmlns="" r:embed="rId8"/>
               </a:ext>
             </a:extLst>
           </a:blip>
@@ -7075,7 +6248,7 @@
                 <a14:useLocalDpi xmlns:a14="http://schemas.microsoft.com/office/drawing/2010/main" val="0"/>
               </a:ext>
               <a:ext uri="{96DAC541-7B7A-43D3-8B79-37D633B846F1}">
-                <asvg:svgBlip xmlns="" xmlns:asvg="http://schemas.microsoft.com/office/drawing/2016/SVG/main" r:embed="rId10"/>
+                <asvg:svgBlip xmlns:asvg="http://schemas.microsoft.com/office/drawing/2016/SVG/main" xmlns="" r:embed="rId10"/>
               </a:ext>
             </a:extLst>
           </a:blip>
@@ -7109,7 +6282,7 @@
                 <a14:useLocalDpi xmlns:a14="http://schemas.microsoft.com/office/drawing/2010/main" val="0"/>
               </a:ext>
               <a:ext uri="{96DAC541-7B7A-43D3-8B79-37D633B846F1}">
-                <asvg:svgBlip xmlns="" xmlns:asvg="http://schemas.microsoft.com/office/drawing/2016/SVG/main" r:embed="rId10"/>
+                <asvg:svgBlip xmlns:asvg="http://schemas.microsoft.com/office/drawing/2016/SVG/main" xmlns="" r:embed="rId10"/>
               </a:ext>
             </a:extLst>
           </a:blip>
@@ -7181,7 +6354,7 @@
                   <a14:useLocalDpi xmlns:a14="http://schemas.microsoft.com/office/drawing/2010/main" val="0"/>
                 </a:ext>
                 <a:ext uri="{96DAC541-7B7A-43D3-8B79-37D633B846F1}">
-                  <asvg:svgBlip xmlns="" xmlns:asvg="http://schemas.microsoft.com/office/drawing/2016/SVG/main" r:embed="rId8"/>
+                  <asvg:svgBlip xmlns:asvg="http://schemas.microsoft.com/office/drawing/2016/SVG/main" xmlns="" r:embed="rId8"/>
                 </a:ext>
               </a:extLst>
             </a:blip>
@@ -7215,7 +6388,7 @@
                   <a14:useLocalDpi xmlns:a14="http://schemas.microsoft.com/office/drawing/2010/main" val="0"/>
                 </a:ext>
                 <a:ext uri="{96DAC541-7B7A-43D3-8B79-37D633B846F1}">
-                  <asvg:svgBlip xmlns="" xmlns:asvg="http://schemas.microsoft.com/office/drawing/2016/SVG/main" r:embed="rId10"/>
+                  <asvg:svgBlip xmlns:asvg="http://schemas.microsoft.com/office/drawing/2016/SVG/main" xmlns="" r:embed="rId10"/>
                 </a:ext>
               </a:extLst>
             </a:blip>
@@ -7249,7 +6422,7 @@
                   <a14:useLocalDpi xmlns:a14="http://schemas.microsoft.com/office/drawing/2010/main" val="0"/>
                 </a:ext>
                 <a:ext uri="{96DAC541-7B7A-43D3-8B79-37D633B846F1}">
-                  <asvg:svgBlip xmlns="" xmlns:asvg="http://schemas.microsoft.com/office/drawing/2016/SVG/main" r:embed="rId10"/>
+                  <asvg:svgBlip xmlns:asvg="http://schemas.microsoft.com/office/drawing/2016/SVG/main" xmlns="" r:embed="rId10"/>
                 </a:ext>
               </a:extLst>
             </a:blip>
@@ -12921,7 +12094,7 @@
                 <a14:useLocalDpi xmlns:a14="http://schemas.microsoft.com/office/drawing/2010/main" val="0"/>
               </a:ext>
               <a:ext uri="{96DAC541-7B7A-43D3-8B79-37D633B846F1}">
-                <asvg:svgBlip xmlns="" xmlns:asvg="http://schemas.microsoft.com/office/drawing/2016/SVG/main" r:embed="rId4"/>
+                <asvg:svgBlip xmlns:asvg="http://schemas.microsoft.com/office/drawing/2016/SVG/main" xmlns="" r:embed="rId4"/>
               </a:ext>
             </a:extLst>
           </a:blip>
@@ -12955,7 +12128,7 @@
                 <a14:useLocalDpi xmlns:a14="http://schemas.microsoft.com/office/drawing/2010/main" val="0"/>
               </a:ext>
               <a:ext uri="{96DAC541-7B7A-43D3-8B79-37D633B846F1}">
-                <asvg:svgBlip xmlns="" xmlns:asvg="http://schemas.microsoft.com/office/drawing/2016/SVG/main" r:embed="rId6"/>
+                <asvg:svgBlip xmlns:asvg="http://schemas.microsoft.com/office/drawing/2016/SVG/main" xmlns="" r:embed="rId6"/>
               </a:ext>
             </a:extLst>
           </a:blip>
@@ -12989,7 +12162,7 @@
                 <a14:useLocalDpi xmlns:a14="http://schemas.microsoft.com/office/drawing/2010/main" val="0"/>
               </a:ext>
               <a:ext uri="{96DAC541-7B7A-43D3-8B79-37D633B846F1}">
-                <asvg:svgBlip xmlns="" xmlns:asvg="http://schemas.microsoft.com/office/drawing/2016/SVG/main" r:embed="rId6"/>
+                <asvg:svgBlip xmlns:asvg="http://schemas.microsoft.com/office/drawing/2016/SVG/main" xmlns="" r:embed="rId6"/>
               </a:ext>
             </a:extLst>
           </a:blip>
@@ -13713,7 +12886,7 @@
                 <a14:useLocalDpi xmlns:a14="http://schemas.microsoft.com/office/drawing/2010/main" val="0"/>
               </a:ext>
               <a:ext uri="{96DAC541-7B7A-43D3-8B79-37D633B846F1}">
-                <asvg:svgBlip xmlns="" xmlns:asvg="http://schemas.microsoft.com/office/drawing/2016/SVG/main" r:embed="rId4"/>
+                <asvg:svgBlip xmlns:asvg="http://schemas.microsoft.com/office/drawing/2016/SVG/main" xmlns="" r:embed="rId4"/>
               </a:ext>
             </a:extLst>
           </a:blip>
@@ -13747,7 +12920,7 @@
                 <a14:useLocalDpi xmlns:a14="http://schemas.microsoft.com/office/drawing/2010/main" val="0"/>
               </a:ext>
               <a:ext uri="{96DAC541-7B7A-43D3-8B79-37D633B846F1}">
-                <asvg:svgBlip xmlns="" xmlns:asvg="http://schemas.microsoft.com/office/drawing/2016/SVG/main" r:embed="rId6"/>
+                <asvg:svgBlip xmlns:asvg="http://schemas.microsoft.com/office/drawing/2016/SVG/main" xmlns="" r:embed="rId6"/>
               </a:ext>
             </a:extLst>
           </a:blip>
@@ -13781,7 +12954,7 @@
                 <a14:useLocalDpi xmlns:a14="http://schemas.microsoft.com/office/drawing/2010/main" val="0"/>
               </a:ext>
               <a:ext uri="{96DAC541-7B7A-43D3-8B79-37D633B846F1}">
-                <asvg:svgBlip xmlns="" xmlns:asvg="http://schemas.microsoft.com/office/drawing/2016/SVG/main" r:embed="rId8"/>
+                <asvg:svgBlip xmlns:asvg="http://schemas.microsoft.com/office/drawing/2016/SVG/main" xmlns="" r:embed="rId8"/>
               </a:ext>
             </a:extLst>
           </a:blip>

--- a/Проект Модул 8.pptx
+++ b/Проект Модул 8.pptx
@@ -14,28 +14,29 @@
     <p:sldId id="265" r:id="rId8"/>
     <p:sldId id="262" r:id="rId9"/>
     <p:sldId id="263" r:id="rId10"/>
+    <p:sldId id="266" r:id="rId11"/>
   </p:sldIdLst>
   <p:sldSz cx="18288000" cy="10287000"/>
   <p:notesSz cx="6858000" cy="9144000"/>
   <p:embeddedFontLst>
     <p:embeddedFont>
-      <p:font typeface="Open Sans Extra Bold" panose="020B0604020202020204" charset="0"/>
-      <p:regular r:id="rId11"/>
-    </p:embeddedFont>
-    <p:embeddedFont>
       <p:font typeface="Dumondi Condensed Bold" panose="020B0604020202020204" charset="-34"/>
       <p:regular r:id="rId12"/>
     </p:embeddedFont>
     <p:embeddedFont>
+      <p:font typeface="Open Sans Extra Bold" panose="020B0604020202020204" charset="0"/>
+      <p:regular r:id="rId13"/>
+    </p:embeddedFont>
+    <p:embeddedFont>
       <p:font typeface="Calibri" panose="020F0502020204030204" pitchFamily="34" charset="0"/>
-      <p:regular r:id="rId13"/>
-      <p:bold r:id="rId14"/>
-      <p:italic r:id="rId15"/>
-      <p:boldItalic r:id="rId16"/>
+      <p:regular r:id="rId14"/>
+      <p:bold r:id="rId15"/>
+      <p:italic r:id="rId16"/>
+      <p:boldItalic r:id="rId17"/>
     </p:embeddedFont>
     <p:embeddedFont>
       <p:font typeface="Fredoka One" panose="020B0604020202020204" charset="0"/>
-      <p:regular r:id="rId17"/>
+      <p:regular r:id="rId18"/>
     </p:embeddedFont>
   </p:embeddedFontLst>
   <p:defaultTextStyle>
@@ -334,7 +335,7 @@
             <a:fld id="{1D8BD707-D9CF-40AE-B4C6-C98DA3205C09}" type="datetimeFigureOut">
               <a:rPr lang="en-US" smtClean="0"/>
               <a:pPr/>
-              <a:t>5/13/2023</a:t>
+              <a:t>5/14/2023</a:t>
             </a:fld>
             <a:endParaRPr lang="en-US"/>
           </a:p>
@@ -513,7 +514,7 @@
             <a:fld id="{1D8BD707-D9CF-40AE-B4C6-C98DA3205C09}" type="datetimeFigureOut">
               <a:rPr lang="en-US" smtClean="0"/>
               <a:pPr/>
-              <a:t>5/13/2023</a:t>
+              <a:t>5/14/2023</a:t>
             </a:fld>
             <a:endParaRPr lang="en-US"/>
           </a:p>
@@ -702,7 +703,7 @@
             <a:fld id="{1D8BD707-D9CF-40AE-B4C6-C98DA3205C09}" type="datetimeFigureOut">
               <a:rPr lang="en-US" smtClean="0"/>
               <a:pPr/>
-              <a:t>5/13/2023</a:t>
+              <a:t>5/14/2023</a:t>
             </a:fld>
             <a:endParaRPr lang="en-US"/>
           </a:p>
@@ -881,7 +882,7 @@
             <a:fld id="{1D8BD707-D9CF-40AE-B4C6-C98DA3205C09}" type="datetimeFigureOut">
               <a:rPr lang="en-US" smtClean="0"/>
               <a:pPr/>
-              <a:t>5/13/2023</a:t>
+              <a:t>5/14/2023</a:t>
             </a:fld>
             <a:endParaRPr lang="en-US"/>
           </a:p>
@@ -1136,7 +1137,7 @@
             <a:fld id="{1D8BD707-D9CF-40AE-B4C6-C98DA3205C09}" type="datetimeFigureOut">
               <a:rPr lang="en-US" smtClean="0"/>
               <a:pPr/>
-              <a:t>5/13/2023</a:t>
+              <a:t>5/14/2023</a:t>
             </a:fld>
             <a:endParaRPr lang="en-US"/>
           </a:p>
@@ -1433,7 +1434,7 @@
             <a:fld id="{1D8BD707-D9CF-40AE-B4C6-C98DA3205C09}" type="datetimeFigureOut">
               <a:rPr lang="en-US" smtClean="0"/>
               <a:pPr/>
-              <a:t>5/13/2023</a:t>
+              <a:t>5/14/2023</a:t>
             </a:fld>
             <a:endParaRPr lang="en-US"/>
           </a:p>
@@ -1864,7 +1865,7 @@
             <a:fld id="{1D8BD707-D9CF-40AE-B4C6-C98DA3205C09}" type="datetimeFigureOut">
               <a:rPr lang="en-US" smtClean="0"/>
               <a:pPr/>
-              <a:t>5/13/2023</a:t>
+              <a:t>5/14/2023</a:t>
             </a:fld>
             <a:endParaRPr lang="en-US"/>
           </a:p>
@@ -1991,7 +1992,7 @@
             <a:fld id="{1D8BD707-D9CF-40AE-B4C6-C98DA3205C09}" type="datetimeFigureOut">
               <a:rPr lang="en-US" smtClean="0"/>
               <a:pPr/>
-              <a:t>5/13/2023</a:t>
+              <a:t>5/14/2023</a:t>
             </a:fld>
             <a:endParaRPr lang="en-US"/>
           </a:p>
@@ -2095,7 +2096,7 @@
             <a:fld id="{1D8BD707-D9CF-40AE-B4C6-C98DA3205C09}" type="datetimeFigureOut">
               <a:rPr lang="en-US" smtClean="0"/>
               <a:pPr/>
-              <a:t>5/13/2023</a:t>
+              <a:t>5/14/2023</a:t>
             </a:fld>
             <a:endParaRPr lang="en-US"/>
           </a:p>
@@ -2381,7 +2382,7 @@
             <a:fld id="{1D8BD707-D9CF-40AE-B4C6-C98DA3205C09}" type="datetimeFigureOut">
               <a:rPr lang="en-US" smtClean="0"/>
               <a:pPr/>
-              <a:t>5/13/2023</a:t>
+              <a:t>5/14/2023</a:t>
             </a:fld>
             <a:endParaRPr lang="en-US"/>
           </a:p>
@@ -2643,7 +2644,7 @@
             <a:fld id="{1D8BD707-D9CF-40AE-B4C6-C98DA3205C09}" type="datetimeFigureOut">
               <a:rPr lang="en-US" smtClean="0"/>
               <a:pPr/>
-              <a:t>5/13/2023</a:t>
+              <a:t>5/14/2023</a:t>
             </a:fld>
             <a:endParaRPr lang="en-US"/>
           </a:p>
@@ -2865,7 +2866,7 @@
             <a:fld id="{1D8BD707-D9CF-40AE-B4C6-C98DA3205C09}" type="datetimeFigureOut">
               <a:rPr lang="en-US" smtClean="0"/>
               <a:pPr/>
-              <a:t>5/13/2023</a:t>
+              <a:t>5/14/2023</a:t>
             </a:fld>
             <a:endParaRPr lang="en-US"/>
           </a:p>
@@ -3915,7 +3916,7 @@
                 <a14:useLocalDpi xmlns:a14="http://schemas.microsoft.com/office/drawing/2010/main" val="0"/>
               </a:ext>
               <a:ext uri="{96DAC541-7B7A-43D3-8B79-37D633B846F1}">
-                <asvg:svgBlip xmlns:asvg="http://schemas.microsoft.com/office/drawing/2016/SVG/main" xmlns="" r:embed="rId4"/>
+                <asvg:svgBlip xmlns="" xmlns:asvg="http://schemas.microsoft.com/office/drawing/2016/SVG/main" r:embed="rId4"/>
               </a:ext>
             </a:extLst>
           </a:blip>
@@ -3973,7 +3974,7 @@
                 <a14:useLocalDpi xmlns:a14="http://schemas.microsoft.com/office/drawing/2010/main" val="0"/>
               </a:ext>
               <a:ext uri="{96DAC541-7B7A-43D3-8B79-37D633B846F1}">
-                <asvg:svgBlip xmlns:asvg="http://schemas.microsoft.com/office/drawing/2016/SVG/main" xmlns="" r:embed="rId6"/>
+                <asvg:svgBlip xmlns="" xmlns:asvg="http://schemas.microsoft.com/office/drawing/2016/SVG/main" r:embed="rId6"/>
               </a:ext>
             </a:extLst>
           </a:blip>
@@ -4007,7 +4008,7 @@
                 <a14:useLocalDpi xmlns:a14="http://schemas.microsoft.com/office/drawing/2010/main" val="0"/>
               </a:ext>
               <a:ext uri="{96DAC541-7B7A-43D3-8B79-37D633B846F1}">
-                <asvg:svgBlip xmlns:asvg="http://schemas.microsoft.com/office/drawing/2016/SVG/main" xmlns="" r:embed="rId8"/>
+                <asvg:svgBlip xmlns="" xmlns:asvg="http://schemas.microsoft.com/office/drawing/2016/SVG/main" r:embed="rId8"/>
               </a:ext>
             </a:extLst>
           </a:blip>
@@ -4041,7 +4042,7 @@
                 <a14:useLocalDpi xmlns:a14="http://schemas.microsoft.com/office/drawing/2010/main" val="0"/>
               </a:ext>
               <a:ext uri="{96DAC541-7B7A-43D3-8B79-37D633B846F1}">
-                <asvg:svgBlip xmlns:asvg="http://schemas.microsoft.com/office/drawing/2016/SVG/main" xmlns="" r:embed="rId10"/>
+                <asvg:svgBlip xmlns="" xmlns:asvg="http://schemas.microsoft.com/office/drawing/2016/SVG/main" r:embed="rId10"/>
               </a:ext>
             </a:extLst>
           </a:blip>
@@ -4411,7 +4412,7 @@
                 <a14:useLocalDpi xmlns:a14="http://schemas.microsoft.com/office/drawing/2010/main" val="0"/>
               </a:ext>
               <a:ext uri="{96DAC541-7B7A-43D3-8B79-37D633B846F1}">
-                <asvg:svgBlip xmlns:asvg="http://schemas.microsoft.com/office/drawing/2016/SVG/main" xmlns="" r:embed="rId8"/>
+                <asvg:svgBlip xmlns="" xmlns:asvg="http://schemas.microsoft.com/office/drawing/2016/SVG/main" r:embed="rId8"/>
               </a:ext>
             </a:extLst>
           </a:blip>
@@ -4431,6 +4432,1050 @@
         </p:spPr>
       </p:pic>
     </p:spTree>
+  </p:cSld>
+  <p:clrMapOvr>
+    <a:masterClrMapping/>
+  </p:clrMapOvr>
+  <mc:AlternateContent xmlns:mc="http://schemas.openxmlformats.org/markup-compatibility/2006" xmlns:p15="http://schemas.microsoft.com/office/powerpoint/2012/main">
+    <mc:Choice Requires="p15">
+      <p:transition xmlns:p14="http://schemas.microsoft.com/office/powerpoint/2010/main" spd="slow" p14:dur="1250">
+        <p15:prstTrans prst="peelOff"/>
+      </p:transition>
+    </mc:Choice>
+    <mc:Fallback xmlns="">
+      <p:transition spd="slow">
+        <p:fade/>
+      </p:transition>
+    </mc:Fallback>
+  </mc:AlternateContent>
+  <p:timing>
+    <p:tnLst>
+      <p:par>
+        <p:cTn id="1" dur="indefinite" restart="never" nodeType="tmRoot"/>
+      </p:par>
+    </p:tnLst>
+  </p:timing>
+</p:sld>
+</file>
+
+<file path=ppt/slides/slide10.xml><?xml version="1.0" encoding="utf-8"?>
+<p:sld xmlns:a="http://schemas.openxmlformats.org/drawingml/2006/main" xmlns:r="http://schemas.openxmlformats.org/officeDocument/2006/relationships" xmlns:p="http://schemas.openxmlformats.org/presentationml/2006/main">
+  <p:cSld>
+    <p:spTree>
+      <p:nvGrpSpPr>
+        <p:cNvPr id="1" name=""/>
+        <p:cNvGrpSpPr/>
+        <p:nvPr/>
+      </p:nvGrpSpPr>
+      <p:grpSpPr>
+        <a:xfrm>
+          <a:off x="0" y="0"/>
+          <a:ext cx="0" cy="0"/>
+          <a:chOff x="0" y="0"/>
+          <a:chExt cx="0" cy="0"/>
+        </a:xfrm>
+      </p:grpSpPr>
+      <p:pic>
+        <p:nvPicPr>
+          <p:cNvPr id="2" name="Picture 2"/>
+          <p:cNvPicPr>
+            <a:picLocks noChangeAspect="1"/>
+          </p:cNvPicPr>
+          <p:nvPr/>
+        </p:nvPicPr>
+        <p:blipFill>
+          <a:blip r:embed="rId2"/>
+          <a:srcRect l="2310" t="9494" r="1733" b="52317"/>
+          <a:stretch>
+            <a:fillRect/>
+          </a:stretch>
+        </p:blipFill>
+        <p:spPr>
+          <a:xfrm>
+            <a:off x="0" y="0"/>
+            <a:ext cx="18288000" cy="10287000"/>
+          </a:xfrm>
+          <a:prstGeom prst="rect">
+            <a:avLst/>
+          </a:prstGeom>
+        </p:spPr>
+      </p:pic>
+      <p:grpSp>
+        <p:nvGrpSpPr>
+          <p:cNvPr id="3" name="Group 3"/>
+          <p:cNvGrpSpPr/>
+          <p:nvPr/>
+        </p:nvGrpSpPr>
+        <p:grpSpPr>
+          <a:xfrm>
+            <a:off x="685708" y="996308"/>
+            <a:ext cx="17058156" cy="7847344"/>
+            <a:chOff x="0" y="0"/>
+            <a:chExt cx="15228478" cy="10690097"/>
+          </a:xfrm>
+        </p:grpSpPr>
+        <p:sp>
+          <p:nvSpPr>
+            <p:cNvPr id="4" name="Freeform 4"/>
+            <p:cNvSpPr/>
+            <p:nvPr/>
+          </p:nvSpPr>
+          <p:spPr>
+            <a:xfrm>
+              <a:off x="31750" y="31750"/>
+              <a:ext cx="15164978" cy="10626596"/>
+            </a:xfrm>
+            <a:custGeom>
+              <a:avLst/>
+              <a:gdLst/>
+              <a:ahLst/>
+              <a:cxnLst/>
+              <a:rect l="l" t="t" r="r" b="b"/>
+              <a:pathLst>
+                <a:path w="15164978" h="10626596">
+                  <a:moveTo>
+                    <a:pt x="15072269" y="10626596"/>
+                  </a:moveTo>
+                  <a:lnTo>
+                    <a:pt x="92710" y="10626596"/>
+                  </a:lnTo>
+                  <a:cubicBezTo>
+                    <a:pt x="41910" y="10626596"/>
+                    <a:pt x="0" y="10584686"/>
+                    <a:pt x="0" y="10533886"/>
+                  </a:cubicBezTo>
+                  <a:lnTo>
+                    <a:pt x="0" y="92710"/>
+                  </a:lnTo>
+                  <a:cubicBezTo>
+                    <a:pt x="0" y="41910"/>
+                    <a:pt x="41910" y="0"/>
+                    <a:pt x="92710" y="0"/>
+                  </a:cubicBezTo>
+                  <a:lnTo>
+                    <a:pt x="15070998" y="0"/>
+                  </a:lnTo>
+                  <a:cubicBezTo>
+                    <a:pt x="15121798" y="0"/>
+                    <a:pt x="15163709" y="41910"/>
+                    <a:pt x="15163709" y="92710"/>
+                  </a:cubicBezTo>
+                  <a:lnTo>
+                    <a:pt x="15163709" y="10532617"/>
+                  </a:lnTo>
+                  <a:cubicBezTo>
+                    <a:pt x="15164978" y="10584686"/>
+                    <a:pt x="15123069" y="10626596"/>
+                    <a:pt x="15072269" y="10626596"/>
+                  </a:cubicBezTo>
+                  <a:close/>
+                </a:path>
+              </a:pathLst>
+            </a:custGeom>
+            <a:solidFill>
+              <a:srgbClr val="FFFFFF"/>
+            </a:solidFill>
+          </p:spPr>
+        </p:sp>
+        <p:sp>
+          <p:nvSpPr>
+            <p:cNvPr id="5" name="Freeform 5"/>
+            <p:cNvSpPr/>
+            <p:nvPr/>
+          </p:nvSpPr>
+          <p:spPr>
+            <a:xfrm>
+              <a:off x="0" y="0"/>
+              <a:ext cx="15228478" cy="10690096"/>
+            </a:xfrm>
+            <a:custGeom>
+              <a:avLst/>
+              <a:gdLst/>
+              <a:ahLst/>
+              <a:cxnLst/>
+              <a:rect l="l" t="t" r="r" b="b"/>
+              <a:pathLst>
+                <a:path w="15228478" h="10690096">
+                  <a:moveTo>
+                    <a:pt x="15104019" y="59690"/>
+                  </a:moveTo>
+                  <a:cubicBezTo>
+                    <a:pt x="15139578" y="59690"/>
+                    <a:pt x="15168789" y="88900"/>
+                    <a:pt x="15168789" y="124460"/>
+                  </a:cubicBezTo>
+                  <a:lnTo>
+                    <a:pt x="15168789" y="10565636"/>
+                  </a:lnTo>
+                  <a:cubicBezTo>
+                    <a:pt x="15168789" y="10601196"/>
+                    <a:pt x="15139578" y="10630407"/>
+                    <a:pt x="15104019" y="10630407"/>
+                  </a:cubicBezTo>
+                  <a:lnTo>
+                    <a:pt x="124460" y="10630407"/>
+                  </a:lnTo>
+                  <a:cubicBezTo>
+                    <a:pt x="88900" y="10630407"/>
+                    <a:pt x="59690" y="10601196"/>
+                    <a:pt x="59690" y="10565636"/>
+                  </a:cubicBezTo>
+                  <a:lnTo>
+                    <a:pt x="59690" y="124460"/>
+                  </a:lnTo>
+                  <a:cubicBezTo>
+                    <a:pt x="59690" y="88900"/>
+                    <a:pt x="88900" y="59690"/>
+                    <a:pt x="124460" y="59690"/>
+                  </a:cubicBezTo>
+                  <a:lnTo>
+                    <a:pt x="15104019" y="59690"/>
+                  </a:lnTo>
+                  <a:moveTo>
+                    <a:pt x="15104019" y="0"/>
+                  </a:moveTo>
+                  <a:lnTo>
+                    <a:pt x="124460" y="0"/>
+                  </a:lnTo>
+                  <a:cubicBezTo>
+                    <a:pt x="55880" y="0"/>
+                    <a:pt x="0" y="55880"/>
+                    <a:pt x="0" y="124460"/>
+                  </a:cubicBezTo>
+                  <a:lnTo>
+                    <a:pt x="0" y="10565636"/>
+                  </a:lnTo>
+                  <a:cubicBezTo>
+                    <a:pt x="0" y="10634217"/>
+                    <a:pt x="55880" y="10690096"/>
+                    <a:pt x="124460" y="10690096"/>
+                  </a:cubicBezTo>
+                  <a:lnTo>
+                    <a:pt x="15104019" y="10690096"/>
+                  </a:lnTo>
+                  <a:cubicBezTo>
+                    <a:pt x="15172598" y="10690096"/>
+                    <a:pt x="15228478" y="10634217"/>
+                    <a:pt x="15228478" y="10565636"/>
+                  </a:cubicBezTo>
+                  <a:lnTo>
+                    <a:pt x="15228478" y="124460"/>
+                  </a:lnTo>
+                  <a:cubicBezTo>
+                    <a:pt x="15228478" y="55880"/>
+                    <a:pt x="15172598" y="0"/>
+                    <a:pt x="15104019" y="0"/>
+                  </a:cubicBezTo>
+                  <a:close/>
+                </a:path>
+              </a:pathLst>
+            </a:custGeom>
+            <a:solidFill>
+              <a:srgbClr val="191919"/>
+            </a:solidFill>
+          </p:spPr>
+        </p:sp>
+      </p:grpSp>
+      <p:sp>
+        <p:nvSpPr>
+          <p:cNvPr id="6" name="AutoShape 6"/>
+          <p:cNvSpPr/>
+          <p:nvPr/>
+        </p:nvSpPr>
+        <p:spPr>
+          <a:xfrm>
+            <a:off x="690788" y="2055545"/>
+            <a:ext cx="16998142" cy="118135"/>
+          </a:xfrm>
+          <a:prstGeom prst="line">
+            <a:avLst/>
+          </a:prstGeom>
+          <a:ln w="47625" cap="flat">
+            <a:solidFill>
+              <a:srgbClr val="000000"/>
+            </a:solidFill>
+            <a:prstDash val="solid"/>
+            <a:headEnd type="none" w="sm" len="sm"/>
+            <a:tailEnd type="none" w="sm" len="sm"/>
+          </a:ln>
+        </p:spPr>
+      </p:sp>
+      <p:grpSp>
+        <p:nvGrpSpPr>
+          <p:cNvPr id="7" name="Group 7"/>
+          <p:cNvGrpSpPr/>
+          <p:nvPr/>
+        </p:nvGrpSpPr>
+        <p:grpSpPr>
+          <a:xfrm>
+            <a:off x="1219200" y="1556397"/>
+            <a:ext cx="661028" cy="183818"/>
+            <a:chOff x="0" y="0"/>
+            <a:chExt cx="881370" cy="245090"/>
+          </a:xfrm>
+        </p:grpSpPr>
+        <p:grpSp>
+          <p:nvGrpSpPr>
+            <p:cNvPr id="8" name="Group 8"/>
+            <p:cNvGrpSpPr/>
+            <p:nvPr/>
+          </p:nvGrpSpPr>
+          <p:grpSpPr>
+            <a:xfrm>
+              <a:off x="0" y="0"/>
+              <a:ext cx="245090" cy="245090"/>
+              <a:chOff x="0" y="0"/>
+              <a:chExt cx="812800" cy="812800"/>
+            </a:xfrm>
+          </p:grpSpPr>
+          <p:sp>
+            <p:nvSpPr>
+              <p:cNvPr id="9" name="Freeform 9"/>
+              <p:cNvSpPr/>
+              <p:nvPr/>
+            </p:nvSpPr>
+            <p:spPr>
+              <a:xfrm>
+                <a:off x="1813" y="0"/>
+                <a:ext cx="809173" cy="812800"/>
+              </a:xfrm>
+              <a:custGeom>
+                <a:avLst/>
+                <a:gdLst/>
+                <a:ahLst/>
+                <a:cxnLst/>
+                <a:rect l="l" t="t" r="r" b="b"/>
+                <a:pathLst>
+                  <a:path w="809173" h="812800">
+                    <a:moveTo>
+                      <a:pt x="404587" y="0"/>
+                    </a:moveTo>
+                    <a:cubicBezTo>
+                      <a:pt x="628326" y="1001"/>
+                      <a:pt x="809174" y="182659"/>
+                      <a:pt x="809174" y="406400"/>
+                    </a:cubicBezTo>
+                    <a:cubicBezTo>
+                      <a:pt x="809174" y="630141"/>
+                      <a:pt x="628326" y="811799"/>
+                      <a:pt x="404587" y="812800"/>
+                    </a:cubicBezTo>
+                    <a:cubicBezTo>
+                      <a:pt x="180848" y="811799"/>
+                      <a:pt x="0" y="630141"/>
+                      <a:pt x="0" y="406400"/>
+                    </a:cubicBezTo>
+                    <a:cubicBezTo>
+                      <a:pt x="0" y="182659"/>
+                      <a:pt x="180848" y="1001"/>
+                      <a:pt x="404587" y="0"/>
+                    </a:cubicBezTo>
+                    <a:close/>
+                  </a:path>
+                </a:pathLst>
+              </a:custGeom>
+              <a:solidFill>
+                <a:srgbClr val="008D70"/>
+              </a:solidFill>
+            </p:spPr>
+          </p:sp>
+          <p:sp>
+            <p:nvSpPr>
+              <p:cNvPr id="10" name="TextBox 10"/>
+              <p:cNvSpPr txBox="1"/>
+              <p:nvPr/>
+            </p:nvSpPr>
+            <p:spPr>
+              <a:xfrm>
+                <a:off x="76200" y="28575"/>
+                <a:ext cx="660400" cy="708025"/>
+              </a:xfrm>
+              <a:prstGeom prst="rect">
+                <a:avLst/>
+              </a:prstGeom>
+            </p:spPr>
+            <p:txBody>
+              <a:bodyPr lIns="50800" tIns="50800" rIns="50800" bIns="50800" rtlCol="0" anchor="ctr"/>
+              <a:lstStyle/>
+              <a:p>
+                <a:pPr algn="ctr">
+                  <a:lnSpc>
+                    <a:spcPts val="2660"/>
+                  </a:lnSpc>
+                </a:pPr>
+                <a:endParaRPr/>
+              </a:p>
+            </p:txBody>
+          </p:sp>
+        </p:grpSp>
+        <p:grpSp>
+          <p:nvGrpSpPr>
+            <p:cNvPr id="11" name="Group 11"/>
+            <p:cNvGrpSpPr/>
+            <p:nvPr/>
+          </p:nvGrpSpPr>
+          <p:grpSpPr>
+            <a:xfrm>
+              <a:off x="318439" y="0"/>
+              <a:ext cx="245090" cy="245090"/>
+              <a:chOff x="0" y="0"/>
+              <a:chExt cx="812800" cy="812800"/>
+            </a:xfrm>
+          </p:grpSpPr>
+          <p:sp>
+            <p:nvSpPr>
+              <p:cNvPr id="12" name="Freeform 12"/>
+              <p:cNvSpPr/>
+              <p:nvPr/>
+            </p:nvSpPr>
+            <p:spPr>
+              <a:xfrm>
+                <a:off x="1813" y="0"/>
+                <a:ext cx="809173" cy="812800"/>
+              </a:xfrm>
+              <a:custGeom>
+                <a:avLst/>
+                <a:gdLst/>
+                <a:ahLst/>
+                <a:cxnLst/>
+                <a:rect l="l" t="t" r="r" b="b"/>
+                <a:pathLst>
+                  <a:path w="809173" h="812800">
+                    <a:moveTo>
+                      <a:pt x="404587" y="0"/>
+                    </a:moveTo>
+                    <a:cubicBezTo>
+                      <a:pt x="628326" y="1001"/>
+                      <a:pt x="809174" y="182659"/>
+                      <a:pt x="809174" y="406400"/>
+                    </a:cubicBezTo>
+                    <a:cubicBezTo>
+                      <a:pt x="809174" y="630141"/>
+                      <a:pt x="628326" y="811799"/>
+                      <a:pt x="404587" y="812800"/>
+                    </a:cubicBezTo>
+                    <a:cubicBezTo>
+                      <a:pt x="180848" y="811799"/>
+                      <a:pt x="0" y="630141"/>
+                      <a:pt x="0" y="406400"/>
+                    </a:cubicBezTo>
+                    <a:cubicBezTo>
+                      <a:pt x="0" y="182659"/>
+                      <a:pt x="180848" y="1001"/>
+                      <a:pt x="404587" y="0"/>
+                    </a:cubicBezTo>
+                    <a:close/>
+                  </a:path>
+                </a:pathLst>
+              </a:custGeom>
+              <a:solidFill>
+                <a:srgbClr val="BE50AF"/>
+              </a:solidFill>
+            </p:spPr>
+          </p:sp>
+          <p:sp>
+            <p:nvSpPr>
+              <p:cNvPr id="13" name="TextBox 13"/>
+              <p:cNvSpPr txBox="1"/>
+              <p:nvPr/>
+            </p:nvSpPr>
+            <p:spPr>
+              <a:xfrm>
+                <a:off x="76200" y="28575"/>
+                <a:ext cx="660400" cy="708025"/>
+              </a:xfrm>
+              <a:prstGeom prst="rect">
+                <a:avLst/>
+              </a:prstGeom>
+            </p:spPr>
+            <p:txBody>
+              <a:bodyPr lIns="50800" tIns="50800" rIns="50800" bIns="50800" rtlCol="0" anchor="ctr"/>
+              <a:lstStyle/>
+              <a:p>
+                <a:pPr algn="ctr">
+                  <a:lnSpc>
+                    <a:spcPts val="2660"/>
+                  </a:lnSpc>
+                </a:pPr>
+                <a:endParaRPr/>
+              </a:p>
+            </p:txBody>
+          </p:sp>
+        </p:grpSp>
+        <p:grpSp>
+          <p:nvGrpSpPr>
+            <p:cNvPr id="14" name="Group 14"/>
+            <p:cNvGrpSpPr/>
+            <p:nvPr/>
+          </p:nvGrpSpPr>
+          <p:grpSpPr>
+            <a:xfrm>
+              <a:off x="636280" y="0"/>
+              <a:ext cx="245090" cy="245090"/>
+              <a:chOff x="0" y="0"/>
+              <a:chExt cx="812800" cy="812800"/>
+            </a:xfrm>
+          </p:grpSpPr>
+          <p:sp>
+            <p:nvSpPr>
+              <p:cNvPr id="15" name="Freeform 15"/>
+              <p:cNvSpPr/>
+              <p:nvPr/>
+            </p:nvSpPr>
+            <p:spPr>
+              <a:xfrm>
+                <a:off x="1813" y="0"/>
+                <a:ext cx="809173" cy="812800"/>
+              </a:xfrm>
+              <a:custGeom>
+                <a:avLst/>
+                <a:gdLst/>
+                <a:ahLst/>
+                <a:cxnLst/>
+                <a:rect l="l" t="t" r="r" b="b"/>
+                <a:pathLst>
+                  <a:path w="809173" h="812800">
+                    <a:moveTo>
+                      <a:pt x="404587" y="0"/>
+                    </a:moveTo>
+                    <a:cubicBezTo>
+                      <a:pt x="628326" y="1001"/>
+                      <a:pt x="809174" y="182659"/>
+                      <a:pt x="809174" y="406400"/>
+                    </a:cubicBezTo>
+                    <a:cubicBezTo>
+                      <a:pt x="809174" y="630141"/>
+                      <a:pt x="628326" y="811799"/>
+                      <a:pt x="404587" y="812800"/>
+                    </a:cubicBezTo>
+                    <a:cubicBezTo>
+                      <a:pt x="180848" y="811799"/>
+                      <a:pt x="0" y="630141"/>
+                      <a:pt x="0" y="406400"/>
+                    </a:cubicBezTo>
+                    <a:cubicBezTo>
+                      <a:pt x="0" y="182659"/>
+                      <a:pt x="180848" y="1001"/>
+                      <a:pt x="404587" y="0"/>
+                    </a:cubicBezTo>
+                    <a:close/>
+                  </a:path>
+                </a:pathLst>
+              </a:custGeom>
+              <a:solidFill>
+                <a:srgbClr val="F8C64F"/>
+              </a:solidFill>
+            </p:spPr>
+          </p:sp>
+          <p:sp>
+            <p:nvSpPr>
+              <p:cNvPr id="16" name="TextBox 16"/>
+              <p:cNvSpPr txBox="1"/>
+              <p:nvPr/>
+            </p:nvSpPr>
+            <p:spPr>
+              <a:xfrm>
+                <a:off x="76200" y="28575"/>
+                <a:ext cx="660400" cy="708025"/>
+              </a:xfrm>
+              <a:prstGeom prst="rect">
+                <a:avLst/>
+              </a:prstGeom>
+            </p:spPr>
+            <p:txBody>
+              <a:bodyPr lIns="50800" tIns="50800" rIns="50800" bIns="50800" rtlCol="0" anchor="ctr"/>
+              <a:lstStyle/>
+              <a:p>
+                <a:pPr algn="ctr">
+                  <a:lnSpc>
+                    <a:spcPts val="2660"/>
+                  </a:lnSpc>
+                </a:pPr>
+                <a:endParaRPr/>
+              </a:p>
+            </p:txBody>
+          </p:sp>
+        </p:grpSp>
+      </p:grpSp>
+      <p:pic>
+        <p:nvPicPr>
+          <p:cNvPr id="17" name="Picture 17"/>
+          <p:cNvPicPr>
+            <a:picLocks noChangeAspect="1"/>
+          </p:cNvPicPr>
+          <p:nvPr/>
+        </p:nvPicPr>
+        <p:blipFill>
+          <a:blip r:embed="rId3" cstate="print">
+            <a:extLst>
+              <a:ext uri="{28A0092B-C50C-407E-A947-70E740481C1C}">
+                <a14:useLocalDpi xmlns:a14="http://schemas.microsoft.com/office/drawing/2010/main" val="0"/>
+              </a:ext>
+              <a:ext uri="{96DAC541-7B7A-43D3-8B79-37D633B846F1}">
+                <asvg:svgBlip xmlns="" xmlns:asvg="http://schemas.microsoft.com/office/drawing/2016/SVG/main" r:embed="rId4"/>
+              </a:ext>
+            </a:extLst>
+          </a:blip>
+          <a:srcRect/>
+          <a:stretch>
+            <a:fillRect/>
+          </a:stretch>
+        </p:blipFill>
+        <p:spPr>
+          <a:xfrm rot="4306895">
+            <a:off x="16229241" y="8465430"/>
+            <a:ext cx="1941406" cy="1651960"/>
+          </a:xfrm>
+          <a:prstGeom prst="rect">
+            <a:avLst/>
+          </a:prstGeom>
+        </p:spPr>
+      </p:pic>
+      <p:pic>
+        <p:nvPicPr>
+          <p:cNvPr id="18" name="Picture 18"/>
+          <p:cNvPicPr>
+            <a:picLocks noChangeAspect="1"/>
+          </p:cNvPicPr>
+          <p:nvPr/>
+        </p:nvPicPr>
+        <p:blipFill>
+          <a:blip r:embed="rId5">
+            <a:extLst>
+              <a:ext uri="{28A0092B-C50C-407E-A947-70E740481C1C}">
+                <a14:useLocalDpi xmlns:a14="http://schemas.microsoft.com/office/drawing/2010/main" val="0"/>
+              </a:ext>
+              <a:ext uri="{96DAC541-7B7A-43D3-8B79-37D633B846F1}">
+                <asvg:svgBlip xmlns="" xmlns:asvg="http://schemas.microsoft.com/office/drawing/2016/SVG/main" r:embed="rId6"/>
+              </a:ext>
+            </a:extLst>
+          </a:blip>
+          <a:srcRect/>
+          <a:stretch>
+            <a:fillRect/>
+          </a:stretch>
+        </p:blipFill>
+        <p:spPr>
+          <a:xfrm rot="4181401">
+            <a:off x="7623929" y="166727"/>
+            <a:ext cx="1179063" cy="2176124"/>
+          </a:xfrm>
+          <a:prstGeom prst="rect">
+            <a:avLst/>
+          </a:prstGeom>
+        </p:spPr>
+      </p:pic>
+      <p:pic>
+        <p:nvPicPr>
+          <p:cNvPr id="19" name="Picture 19"/>
+          <p:cNvPicPr>
+            <a:picLocks noChangeAspect="1"/>
+          </p:cNvPicPr>
+          <p:nvPr/>
+        </p:nvPicPr>
+        <p:blipFill>
+          <a:blip r:embed="rId7" cstate="print">
+            <a:extLst>
+              <a:ext uri="{28A0092B-C50C-407E-A947-70E740481C1C}">
+                <a14:useLocalDpi xmlns:a14="http://schemas.microsoft.com/office/drawing/2010/main" val="0"/>
+              </a:ext>
+              <a:ext uri="{96DAC541-7B7A-43D3-8B79-37D633B846F1}">
+                <asvg:svgBlip xmlns="" xmlns:asvg="http://schemas.microsoft.com/office/drawing/2016/SVG/main" r:embed="rId8"/>
+              </a:ext>
+            </a:extLst>
+          </a:blip>
+          <a:srcRect/>
+          <a:stretch>
+            <a:fillRect/>
+          </a:stretch>
+        </p:blipFill>
+        <p:spPr>
+          <a:xfrm rot="584963">
+            <a:off x="6012855" y="7853477"/>
+            <a:ext cx="1770528" cy="1625667"/>
+          </a:xfrm>
+          <a:prstGeom prst="rect">
+            <a:avLst/>
+          </a:prstGeom>
+        </p:spPr>
+      </p:pic>
+      <p:sp>
+        <p:nvSpPr>
+          <p:cNvPr id="24" name="Блоксхема: съединение 23"/>
+          <p:cNvSpPr/>
+          <p:nvPr/>
+        </p:nvSpPr>
+        <p:spPr>
+          <a:xfrm>
+            <a:off x="9448800" y="3159638"/>
+            <a:ext cx="2447208" cy="2323063"/>
+          </a:xfrm>
+          <a:prstGeom prst="flowChartConnector">
+            <a:avLst/>
+          </a:prstGeom>
+          <a:solidFill>
+            <a:schemeClr val="accent6">
+              <a:lumMod val="40000"/>
+              <a:lumOff val="60000"/>
+            </a:schemeClr>
+          </a:solidFill>
+        </p:spPr>
+        <p:style>
+          <a:lnRef idx="2">
+            <a:schemeClr val="accent1">
+              <a:shade val="50000"/>
+            </a:schemeClr>
+          </a:lnRef>
+          <a:fillRef idx="1">
+            <a:schemeClr val="accent1"/>
+          </a:fillRef>
+          <a:effectRef idx="0">
+            <a:schemeClr val="accent1"/>
+          </a:effectRef>
+          <a:fontRef idx="minor">
+            <a:schemeClr val="lt1"/>
+          </a:fontRef>
+        </p:style>
+        <p:txBody>
+          <a:bodyPr rtlCol="0" anchor="ctr"/>
+          <a:lstStyle/>
+          <a:p>
+            <a:pPr algn="ctr"/>
+            <a:endParaRPr lang="bg-BG"/>
+          </a:p>
+        </p:txBody>
+      </p:sp>
+      <p:sp>
+        <p:nvSpPr>
+          <p:cNvPr id="25" name="Текстово поле 24"/>
+          <p:cNvSpPr txBox="1"/>
+          <p:nvPr/>
+        </p:nvSpPr>
+        <p:spPr>
+          <a:xfrm>
+            <a:off x="9558667" y="3669089"/>
+            <a:ext cx="2424062" cy="1323439"/>
+          </a:xfrm>
+          <a:prstGeom prst="rect">
+            <a:avLst/>
+          </a:prstGeom>
+          <a:noFill/>
+        </p:spPr>
+        <p:txBody>
+          <a:bodyPr wrap="none" rtlCol="0">
+            <a:spAutoFit/>
+          </a:bodyPr>
+          <a:lstStyle/>
+          <a:p>
+            <a:pPr algn="ctr"/>
+            <a:r>
+              <a:rPr lang="bg-BG" sz="4000" dirty="0" smtClean="0">
+                <a:latin typeface="Times New Roman" panose="02020603050405020304" pitchFamily="18" charset="0"/>
+                <a:cs typeface="Times New Roman" panose="02020603050405020304" pitchFamily="18" charset="0"/>
+              </a:rPr>
+              <a:t>Линк към </a:t>
+            </a:r>
+          </a:p>
+          <a:p>
+            <a:pPr algn="ctr"/>
+            <a:r>
+              <a:rPr lang="bg-BG" sz="4000" dirty="0" smtClean="0">
+                <a:latin typeface="Times New Roman" panose="02020603050405020304" pitchFamily="18" charset="0"/>
+                <a:cs typeface="Times New Roman" panose="02020603050405020304" pitchFamily="18" charset="0"/>
+              </a:rPr>
+              <a:t>проекта</a:t>
+            </a:r>
+            <a:endParaRPr lang="bg-BG" sz="4000" dirty="0">
+              <a:latin typeface="Times New Roman" panose="02020603050405020304" pitchFamily="18" charset="0"/>
+              <a:cs typeface="Times New Roman" panose="02020603050405020304" pitchFamily="18" charset="0"/>
+            </a:endParaRPr>
+          </a:p>
+        </p:txBody>
+      </p:sp>
+      <p:cxnSp>
+        <p:nvCxnSpPr>
+          <p:cNvPr id="26" name="Извит съединител 25"/>
+          <p:cNvCxnSpPr/>
+          <p:nvPr/>
+        </p:nvCxnSpPr>
+        <p:spPr>
+          <a:xfrm>
+            <a:off x="11936095" y="4523196"/>
+            <a:ext cx="1767185" cy="225382"/>
+          </a:xfrm>
+          <a:prstGeom prst="curvedConnector3">
+            <a:avLst>
+              <a:gd name="adj1" fmla="val 48850"/>
+            </a:avLst>
+          </a:prstGeom>
+          <a:ln w="76200">
+            <a:solidFill>
+              <a:schemeClr val="accent4">
+                <a:lumMod val="50000"/>
+              </a:schemeClr>
+            </a:solidFill>
+            <a:tailEnd type="triangle"/>
+          </a:ln>
+        </p:spPr>
+        <p:style>
+          <a:lnRef idx="1">
+            <a:schemeClr val="accent1"/>
+          </a:lnRef>
+          <a:fillRef idx="0">
+            <a:schemeClr val="accent1"/>
+          </a:fillRef>
+          <a:effectRef idx="0">
+            <a:schemeClr val="accent1"/>
+          </a:effectRef>
+          <a:fontRef idx="minor">
+            <a:schemeClr val="tx1"/>
+          </a:fontRef>
+        </p:style>
+      </p:cxnSp>
+      <p:sp>
+        <p:nvSpPr>
+          <p:cNvPr id="27" name="Блоксхема: съединение 26"/>
+          <p:cNvSpPr/>
+          <p:nvPr/>
+        </p:nvSpPr>
+        <p:spPr>
+          <a:xfrm flipH="1">
+            <a:off x="15566567" y="5707000"/>
+            <a:ext cx="2592966" cy="2543582"/>
+          </a:xfrm>
+          <a:prstGeom prst="flowChartConnector">
+            <a:avLst/>
+          </a:prstGeom>
+          <a:solidFill>
+            <a:schemeClr val="accent6">
+              <a:lumMod val="40000"/>
+              <a:lumOff val="60000"/>
+            </a:schemeClr>
+          </a:solidFill>
+        </p:spPr>
+        <p:style>
+          <a:lnRef idx="2">
+            <a:schemeClr val="accent1">
+              <a:shade val="50000"/>
+            </a:schemeClr>
+          </a:lnRef>
+          <a:fillRef idx="1">
+            <a:schemeClr val="accent1"/>
+          </a:fillRef>
+          <a:effectRef idx="0">
+            <a:schemeClr val="accent1"/>
+          </a:effectRef>
+          <a:fontRef idx="minor">
+            <a:schemeClr val="lt1"/>
+          </a:fontRef>
+        </p:style>
+        <p:txBody>
+          <a:bodyPr rtlCol="0" anchor="ctr"/>
+          <a:lstStyle/>
+          <a:p>
+            <a:pPr algn="ctr"/>
+            <a:endParaRPr lang="bg-BG"/>
+          </a:p>
+        </p:txBody>
+      </p:sp>
+      <p:sp>
+        <p:nvSpPr>
+          <p:cNvPr id="28" name="Текстово поле 27"/>
+          <p:cNvSpPr txBox="1"/>
+          <p:nvPr/>
+        </p:nvSpPr>
+        <p:spPr>
+          <a:xfrm flipH="1">
+            <a:off x="15512921" y="6357768"/>
+            <a:ext cx="2536745" cy="1323439"/>
+          </a:xfrm>
+          <a:prstGeom prst="rect">
+            <a:avLst/>
+          </a:prstGeom>
+          <a:noFill/>
+        </p:spPr>
+        <p:txBody>
+          <a:bodyPr wrap="square" rtlCol="0">
+            <a:spAutoFit/>
+          </a:bodyPr>
+          <a:lstStyle/>
+          <a:p>
+            <a:pPr algn="ctr"/>
+            <a:r>
+              <a:rPr lang="bg-BG" sz="4000" dirty="0" smtClean="0">
+                <a:latin typeface="Times New Roman" panose="02020603050405020304" pitchFamily="18" charset="0"/>
+                <a:cs typeface="Times New Roman" panose="02020603050405020304" pitchFamily="18" charset="0"/>
+              </a:rPr>
+              <a:t>Линк към </a:t>
+            </a:r>
+          </a:p>
+          <a:p>
+            <a:pPr algn="ctr"/>
+            <a:r>
+              <a:rPr lang="en-US" sz="4000" dirty="0" err="1" smtClean="0">
+                <a:latin typeface="Times New Roman" panose="02020603050405020304" pitchFamily="18" charset="0"/>
+                <a:cs typeface="Times New Roman" panose="02020603050405020304" pitchFamily="18" charset="0"/>
+              </a:rPr>
+              <a:t>github</a:t>
+            </a:r>
+            <a:endParaRPr lang="bg-BG" sz="4000" dirty="0">
+              <a:latin typeface="Times New Roman" panose="02020603050405020304" pitchFamily="18" charset="0"/>
+              <a:cs typeface="Times New Roman" panose="02020603050405020304" pitchFamily="18" charset="0"/>
+            </a:endParaRPr>
+          </a:p>
+        </p:txBody>
+      </p:sp>
+      <p:cxnSp>
+        <p:nvCxnSpPr>
+          <p:cNvPr id="29" name="Извит съединител 28"/>
+          <p:cNvCxnSpPr/>
+          <p:nvPr/>
+        </p:nvCxnSpPr>
+        <p:spPr>
+          <a:xfrm rot="10800000" flipV="1">
+            <a:off x="13316964" y="7494431"/>
+            <a:ext cx="1923036" cy="581872"/>
+          </a:xfrm>
+          <a:prstGeom prst="curvedConnector3">
+            <a:avLst>
+              <a:gd name="adj1" fmla="val 57397"/>
+            </a:avLst>
+          </a:prstGeom>
+          <a:ln w="76200">
+            <a:solidFill>
+              <a:schemeClr val="accent4">
+                <a:lumMod val="50000"/>
+              </a:schemeClr>
+            </a:solidFill>
+            <a:tailEnd type="triangle"/>
+          </a:ln>
+        </p:spPr>
+        <p:style>
+          <a:lnRef idx="1">
+            <a:schemeClr val="accent1"/>
+          </a:lnRef>
+          <a:fillRef idx="0">
+            <a:schemeClr val="accent1"/>
+          </a:fillRef>
+          <a:effectRef idx="0">
+            <a:schemeClr val="accent1"/>
+          </a:effectRef>
+          <a:fontRef idx="minor">
+            <a:schemeClr val="tx1"/>
+          </a:fontRef>
+        </p:style>
+      </p:cxnSp>
+      <p:sp>
+        <p:nvSpPr>
+          <p:cNvPr id="1025" name="Текстово поле 1024"/>
+          <p:cNvSpPr txBox="1"/>
+          <p:nvPr/>
+        </p:nvSpPr>
+        <p:spPr>
+          <a:xfrm>
+            <a:off x="9697688" y="7424729"/>
+            <a:ext cx="3528595" cy="1107996"/>
+          </a:xfrm>
+          <a:prstGeom prst="rect">
+            <a:avLst/>
+          </a:prstGeom>
+          <a:noFill/>
+        </p:spPr>
+        <p:txBody>
+          <a:bodyPr wrap="none" rtlCol="0">
+            <a:spAutoFit/>
+          </a:bodyPr>
+          <a:lstStyle/>
+          <a:p>
+            <a:r>
+              <a:rPr lang="en-US" sz="6600" dirty="0" smtClean="0">
+                <a:hlinkClick r:id="rId9"/>
+              </a:rPr>
+              <a:t>Click here</a:t>
+            </a:r>
+            <a:endParaRPr lang="bg-BG" sz="6600" dirty="0"/>
+          </a:p>
+        </p:txBody>
+      </p:sp>
+      <p:sp>
+        <p:nvSpPr>
+          <p:cNvPr id="1030" name="Текстово поле 1029"/>
+          <p:cNvSpPr txBox="1"/>
+          <p:nvPr/>
+        </p:nvSpPr>
+        <p:spPr>
+          <a:xfrm>
+            <a:off x="13831747" y="3996203"/>
+            <a:ext cx="3469639" cy="923330"/>
+          </a:xfrm>
+          <a:prstGeom prst="rect">
+            <a:avLst/>
+          </a:prstGeom>
+          <a:noFill/>
+        </p:spPr>
+        <p:txBody>
+          <a:bodyPr wrap="square" rtlCol="0">
+            <a:spAutoFit/>
+          </a:bodyPr>
+          <a:lstStyle/>
+          <a:p>
+            <a:r>
+              <a:rPr lang="en-US" sz="5400" dirty="0" smtClean="0">
+                <a:hlinkClick r:id="rId10"/>
+              </a:rPr>
+              <a:t>Click here</a:t>
+            </a:r>
+            <a:endParaRPr lang="bg-BG" sz="5400" dirty="0"/>
+          </a:p>
+        </p:txBody>
+      </p:sp>
+      <p:pic>
+        <p:nvPicPr>
+          <p:cNvPr id="1038" name="Picture 2" descr="Good Idea PNG, Vector, PSD, and Clipart With Transparent Background for  Free Download | Pngtree"/>
+          <p:cNvPicPr>
+            <a:picLocks noChangeAspect="1" noChangeArrowheads="1"/>
+          </p:cNvPicPr>
+          <p:nvPr/>
+        </p:nvPicPr>
+        <p:blipFill>
+          <a:blip r:embed="rId11">
+            <a:extLst>
+              <a:ext uri="{28A0092B-C50C-407E-A947-70E740481C1C}">
+                <a14:useLocalDpi xmlns:a14="http://schemas.microsoft.com/office/drawing/2010/main" val="0"/>
+              </a:ext>
+            </a:extLst>
+          </a:blip>
+          <a:srcRect/>
+          <a:stretch>
+            <a:fillRect/>
+          </a:stretch>
+        </p:blipFill>
+        <p:spPr bwMode="auto">
+          <a:xfrm>
+            <a:off x="1577330" y="2127312"/>
+            <a:ext cx="5780074" cy="5780076"/>
+          </a:xfrm>
+          <a:prstGeom prst="rect">
+            <a:avLst/>
+          </a:prstGeom>
+          <a:noFill/>
+          <a:extLst>
+            <a:ext uri="{909E8E84-426E-40DD-AFC4-6F175D3DCCD1}">
+              <a14:hiddenFill xmlns:a14="http://schemas.microsoft.com/office/drawing/2010/main">
+                <a:solidFill>
+                  <a:srgbClr val="FFFFFF"/>
+                </a:solidFill>
+              </a14:hiddenFill>
+            </a:ext>
+          </a:extLst>
+        </p:spPr>
+      </p:pic>
+    </p:spTree>
+    <p:extLst>
+      <p:ext uri="{BB962C8B-B14F-4D97-AF65-F5344CB8AC3E}">
+        <p14:creationId xmlns:p14="http://schemas.microsoft.com/office/powerpoint/2010/main" val="4274666925"/>
+      </p:ext>
+    </p:extLst>
   </p:cSld>
   <p:clrMapOvr>
     <a:masterClrMapping/>
@@ -6122,7 +7167,7 @@
                 <a14:useLocalDpi xmlns:a14="http://schemas.microsoft.com/office/drawing/2010/main" val="0"/>
               </a:ext>
               <a:ext uri="{96DAC541-7B7A-43D3-8B79-37D633B846F1}">
-                <asvg:svgBlip xmlns:asvg="http://schemas.microsoft.com/office/drawing/2016/SVG/main" xmlns="" r:embed="rId4"/>
+                <asvg:svgBlip xmlns="" xmlns:asvg="http://schemas.microsoft.com/office/drawing/2016/SVG/main" r:embed="rId4"/>
               </a:ext>
             </a:extLst>
           </a:blip>
@@ -6156,7 +7201,7 @@
                 <a14:useLocalDpi xmlns:a14="http://schemas.microsoft.com/office/drawing/2010/main" val="0"/>
               </a:ext>
               <a:ext uri="{96DAC541-7B7A-43D3-8B79-37D633B846F1}">
-                <asvg:svgBlip xmlns:asvg="http://schemas.microsoft.com/office/drawing/2016/SVG/main" xmlns="" r:embed="rId6"/>
+                <asvg:svgBlip xmlns="" xmlns:asvg="http://schemas.microsoft.com/office/drawing/2016/SVG/main" r:embed="rId6"/>
               </a:ext>
             </a:extLst>
           </a:blip>
@@ -6214,7 +7259,7 @@
                 <a14:useLocalDpi xmlns:a14="http://schemas.microsoft.com/office/drawing/2010/main" val="0"/>
               </a:ext>
               <a:ext uri="{96DAC541-7B7A-43D3-8B79-37D633B846F1}">
-                <asvg:svgBlip xmlns:asvg="http://schemas.microsoft.com/office/drawing/2016/SVG/main" xmlns="" r:embed="rId8"/>
+                <asvg:svgBlip xmlns="" xmlns:asvg="http://schemas.microsoft.com/office/drawing/2016/SVG/main" r:embed="rId8"/>
               </a:ext>
             </a:extLst>
           </a:blip>
@@ -6248,7 +7293,7 @@
                 <a14:useLocalDpi xmlns:a14="http://schemas.microsoft.com/office/drawing/2010/main" val="0"/>
               </a:ext>
               <a:ext uri="{96DAC541-7B7A-43D3-8B79-37D633B846F1}">
-                <asvg:svgBlip xmlns:asvg="http://schemas.microsoft.com/office/drawing/2016/SVG/main" xmlns="" r:embed="rId10"/>
+                <asvg:svgBlip xmlns="" xmlns:asvg="http://schemas.microsoft.com/office/drawing/2016/SVG/main" r:embed="rId10"/>
               </a:ext>
             </a:extLst>
           </a:blip>
@@ -6282,7 +7327,7 @@
                 <a14:useLocalDpi xmlns:a14="http://schemas.microsoft.com/office/drawing/2010/main" val="0"/>
               </a:ext>
               <a:ext uri="{96DAC541-7B7A-43D3-8B79-37D633B846F1}">
-                <asvg:svgBlip xmlns:asvg="http://schemas.microsoft.com/office/drawing/2016/SVG/main" xmlns="" r:embed="rId10"/>
+                <asvg:svgBlip xmlns="" xmlns:asvg="http://schemas.microsoft.com/office/drawing/2016/SVG/main" r:embed="rId10"/>
               </a:ext>
             </a:extLst>
           </a:blip>
@@ -6354,7 +7399,7 @@
                   <a14:useLocalDpi xmlns:a14="http://schemas.microsoft.com/office/drawing/2010/main" val="0"/>
                 </a:ext>
                 <a:ext uri="{96DAC541-7B7A-43D3-8B79-37D633B846F1}">
-                  <asvg:svgBlip xmlns:asvg="http://schemas.microsoft.com/office/drawing/2016/SVG/main" xmlns="" r:embed="rId8"/>
+                  <asvg:svgBlip xmlns="" xmlns:asvg="http://schemas.microsoft.com/office/drawing/2016/SVG/main" r:embed="rId8"/>
                 </a:ext>
               </a:extLst>
             </a:blip>
@@ -6388,7 +7433,7 @@
                   <a14:useLocalDpi xmlns:a14="http://schemas.microsoft.com/office/drawing/2010/main" val="0"/>
                 </a:ext>
                 <a:ext uri="{96DAC541-7B7A-43D3-8B79-37D633B846F1}">
-                  <asvg:svgBlip xmlns:asvg="http://schemas.microsoft.com/office/drawing/2016/SVG/main" xmlns="" r:embed="rId10"/>
+                  <asvg:svgBlip xmlns="" xmlns:asvg="http://schemas.microsoft.com/office/drawing/2016/SVG/main" r:embed="rId10"/>
                 </a:ext>
               </a:extLst>
             </a:blip>
@@ -6422,7 +7467,7 @@
                   <a14:useLocalDpi xmlns:a14="http://schemas.microsoft.com/office/drawing/2010/main" val="0"/>
                 </a:ext>
                 <a:ext uri="{96DAC541-7B7A-43D3-8B79-37D633B846F1}">
-                  <asvg:svgBlip xmlns:asvg="http://schemas.microsoft.com/office/drawing/2016/SVG/main" xmlns="" r:embed="rId10"/>
+                  <asvg:svgBlip xmlns="" xmlns:asvg="http://schemas.microsoft.com/office/drawing/2016/SVG/main" r:embed="rId10"/>
                 </a:ext>
               </a:extLst>
             </a:blip>
@@ -12094,7 +13139,7 @@
                 <a14:useLocalDpi xmlns:a14="http://schemas.microsoft.com/office/drawing/2010/main" val="0"/>
               </a:ext>
               <a:ext uri="{96DAC541-7B7A-43D3-8B79-37D633B846F1}">
-                <asvg:svgBlip xmlns:asvg="http://schemas.microsoft.com/office/drawing/2016/SVG/main" xmlns="" r:embed="rId4"/>
+                <asvg:svgBlip xmlns="" xmlns:asvg="http://schemas.microsoft.com/office/drawing/2016/SVG/main" r:embed="rId4"/>
               </a:ext>
             </a:extLst>
           </a:blip>
@@ -12128,7 +13173,7 @@
                 <a14:useLocalDpi xmlns:a14="http://schemas.microsoft.com/office/drawing/2010/main" val="0"/>
               </a:ext>
               <a:ext uri="{96DAC541-7B7A-43D3-8B79-37D633B846F1}">
-                <asvg:svgBlip xmlns:asvg="http://schemas.microsoft.com/office/drawing/2016/SVG/main" xmlns="" r:embed="rId6"/>
+                <asvg:svgBlip xmlns="" xmlns:asvg="http://schemas.microsoft.com/office/drawing/2016/SVG/main" r:embed="rId6"/>
               </a:ext>
             </a:extLst>
           </a:blip>
@@ -12162,7 +13207,7 @@
                 <a14:useLocalDpi xmlns:a14="http://schemas.microsoft.com/office/drawing/2010/main" val="0"/>
               </a:ext>
               <a:ext uri="{96DAC541-7B7A-43D3-8B79-37D633B846F1}">
-                <asvg:svgBlip xmlns:asvg="http://schemas.microsoft.com/office/drawing/2016/SVG/main" xmlns="" r:embed="rId6"/>
+                <asvg:svgBlip xmlns="" xmlns:asvg="http://schemas.microsoft.com/office/drawing/2016/SVG/main" r:embed="rId6"/>
               </a:ext>
             </a:extLst>
           </a:blip>
@@ -12886,7 +13931,7 @@
                 <a14:useLocalDpi xmlns:a14="http://schemas.microsoft.com/office/drawing/2010/main" val="0"/>
               </a:ext>
               <a:ext uri="{96DAC541-7B7A-43D3-8B79-37D633B846F1}">
-                <asvg:svgBlip xmlns:asvg="http://schemas.microsoft.com/office/drawing/2016/SVG/main" xmlns="" r:embed="rId4"/>
+                <asvg:svgBlip xmlns="" xmlns:asvg="http://schemas.microsoft.com/office/drawing/2016/SVG/main" r:embed="rId4"/>
               </a:ext>
             </a:extLst>
           </a:blip>
@@ -12920,7 +13965,7 @@
                 <a14:useLocalDpi xmlns:a14="http://schemas.microsoft.com/office/drawing/2010/main" val="0"/>
               </a:ext>
               <a:ext uri="{96DAC541-7B7A-43D3-8B79-37D633B846F1}">
-                <asvg:svgBlip xmlns:asvg="http://schemas.microsoft.com/office/drawing/2016/SVG/main" xmlns="" r:embed="rId6"/>
+                <asvg:svgBlip xmlns="" xmlns:asvg="http://schemas.microsoft.com/office/drawing/2016/SVG/main" r:embed="rId6"/>
               </a:ext>
             </a:extLst>
           </a:blip>
@@ -12954,7 +13999,7 @@
                 <a14:useLocalDpi xmlns:a14="http://schemas.microsoft.com/office/drawing/2010/main" val="0"/>
               </a:ext>
               <a:ext uri="{96DAC541-7B7A-43D3-8B79-37D633B846F1}">
-                <asvg:svgBlip xmlns:asvg="http://schemas.microsoft.com/office/drawing/2016/SVG/main" xmlns="" r:embed="rId8"/>
+                <asvg:svgBlip xmlns="" xmlns:asvg="http://schemas.microsoft.com/office/drawing/2016/SVG/main" r:embed="rId8"/>
               </a:ext>
             </a:extLst>
           </a:blip>
